--- a/buoi3_basicflutter/[3- Flutter] Basic Flutter 1.pptx
+++ b/buoi3_basicflutter/[3- Flutter] Basic Flutter 1.pptx
@@ -7,9 +7,14 @@
   <p:sldIdLst>
     <p:sldId id="257" r:id="rId2"/>
     <p:sldId id="262" r:id="rId3"/>
-    <p:sldId id="266" r:id="rId4"/>
-    <p:sldId id="261" r:id="rId5"/>
-    <p:sldId id="265" r:id="rId6"/>
+    <p:sldId id="267" r:id="rId4"/>
+    <p:sldId id="268" r:id="rId5"/>
+    <p:sldId id="266" r:id="rId6"/>
+    <p:sldId id="261" r:id="rId7"/>
+    <p:sldId id="269" r:id="rId8"/>
+    <p:sldId id="270" r:id="rId9"/>
+    <p:sldId id="271" r:id="rId10"/>
+    <p:sldId id="265" r:id="rId11"/>
   </p:sldIdLst>
   <p:sldSz cx="12192000" cy="6858000"/>
   <p:notesSz cx="6858000" cy="9144000"/>
@@ -265,7 +270,7 @@
           <a:p>
             <a:fld id="{825924F4-B343-0240-8396-7156ADA96000}" type="datetimeFigureOut">
               <a:rPr lang="en-VN" smtClean="0"/>
-              <a:t>04/06/2022</a:t>
+              <a:t>05/06/2022</a:t>
             </a:fld>
             <a:endParaRPr lang="en-VN"/>
           </a:p>
@@ -465,7 +470,7 @@
           <a:p>
             <a:fld id="{825924F4-B343-0240-8396-7156ADA96000}" type="datetimeFigureOut">
               <a:rPr lang="en-VN" smtClean="0"/>
-              <a:t>04/06/2022</a:t>
+              <a:t>05/06/2022</a:t>
             </a:fld>
             <a:endParaRPr lang="en-VN"/>
           </a:p>
@@ -675,7 +680,7 @@
           <a:p>
             <a:fld id="{825924F4-B343-0240-8396-7156ADA96000}" type="datetimeFigureOut">
               <a:rPr lang="en-VN" smtClean="0"/>
-              <a:t>04/06/2022</a:t>
+              <a:t>05/06/2022</a:t>
             </a:fld>
             <a:endParaRPr lang="en-VN"/>
           </a:p>
@@ -875,7 +880,7 @@
           <a:p>
             <a:fld id="{825924F4-B343-0240-8396-7156ADA96000}" type="datetimeFigureOut">
               <a:rPr lang="en-VN" smtClean="0"/>
-              <a:t>04/06/2022</a:t>
+              <a:t>05/06/2022</a:t>
             </a:fld>
             <a:endParaRPr lang="en-VN"/>
           </a:p>
@@ -1151,7 +1156,7 @@
           <a:p>
             <a:fld id="{825924F4-B343-0240-8396-7156ADA96000}" type="datetimeFigureOut">
               <a:rPr lang="en-VN" smtClean="0"/>
-              <a:t>04/06/2022</a:t>
+              <a:t>05/06/2022</a:t>
             </a:fld>
             <a:endParaRPr lang="en-VN"/>
           </a:p>
@@ -1419,7 +1424,7 @@
           <a:p>
             <a:fld id="{825924F4-B343-0240-8396-7156ADA96000}" type="datetimeFigureOut">
               <a:rPr lang="en-VN" smtClean="0"/>
-              <a:t>04/06/2022</a:t>
+              <a:t>05/06/2022</a:t>
             </a:fld>
             <a:endParaRPr lang="en-VN"/>
           </a:p>
@@ -1834,7 +1839,7 @@
           <a:p>
             <a:fld id="{825924F4-B343-0240-8396-7156ADA96000}" type="datetimeFigureOut">
               <a:rPr lang="en-VN" smtClean="0"/>
-              <a:t>04/06/2022</a:t>
+              <a:t>05/06/2022</a:t>
             </a:fld>
             <a:endParaRPr lang="en-VN"/>
           </a:p>
@@ -1976,7 +1981,7 @@
           <a:p>
             <a:fld id="{825924F4-B343-0240-8396-7156ADA96000}" type="datetimeFigureOut">
               <a:rPr lang="en-VN" smtClean="0"/>
-              <a:t>04/06/2022</a:t>
+              <a:t>05/06/2022</a:t>
             </a:fld>
             <a:endParaRPr lang="en-VN"/>
           </a:p>
@@ -2089,7 +2094,7 @@
           <a:p>
             <a:fld id="{825924F4-B343-0240-8396-7156ADA96000}" type="datetimeFigureOut">
               <a:rPr lang="en-VN" smtClean="0"/>
-              <a:t>04/06/2022</a:t>
+              <a:t>05/06/2022</a:t>
             </a:fld>
             <a:endParaRPr lang="en-VN"/>
           </a:p>
@@ -2402,7 +2407,7 @@
           <a:p>
             <a:fld id="{825924F4-B343-0240-8396-7156ADA96000}" type="datetimeFigureOut">
               <a:rPr lang="en-VN" smtClean="0"/>
-              <a:t>04/06/2022</a:t>
+              <a:t>05/06/2022</a:t>
             </a:fld>
             <a:endParaRPr lang="en-VN"/>
           </a:p>
@@ -2691,7 +2696,7 @@
           <a:p>
             <a:fld id="{825924F4-B343-0240-8396-7156ADA96000}" type="datetimeFigureOut">
               <a:rPr lang="en-VN" smtClean="0"/>
-              <a:t>04/06/2022</a:t>
+              <a:t>05/06/2022</a:t>
             </a:fld>
             <a:endParaRPr lang="en-VN"/>
           </a:p>
@@ -2934,7 +2939,7 @@
           <a:p>
             <a:fld id="{825924F4-B343-0240-8396-7156ADA96000}" type="datetimeFigureOut">
               <a:rPr lang="en-VN" smtClean="0"/>
-              <a:t>04/06/2022</a:t>
+              <a:t>05/06/2022</a:t>
             </a:fld>
             <a:endParaRPr lang="en-VN"/>
           </a:p>
@@ -3447,6 +3452,120 @@
 </p:sld>
 </file>
 
+<file path=ppt/slides/slide10.xml><?xml version="1.0" encoding="utf-8"?>
+<p:sld xmlns:a="http://schemas.openxmlformats.org/drawingml/2006/main" xmlns:r="http://schemas.openxmlformats.org/officeDocument/2006/relationships" xmlns:p="http://schemas.openxmlformats.org/presentationml/2006/main">
+  <p:cSld>
+    <p:bg>
+      <p:bgPr>
+        <a:solidFill>
+          <a:schemeClr val="bg1">
+            <a:alpha val="39000"/>
+          </a:schemeClr>
+        </a:solidFill>
+        <a:effectLst/>
+      </p:bgPr>
+    </p:bg>
+    <p:spTree>
+      <p:nvGrpSpPr>
+        <p:cNvPr id="1" name=""/>
+        <p:cNvGrpSpPr/>
+        <p:nvPr/>
+      </p:nvGrpSpPr>
+      <p:grpSpPr>
+        <a:xfrm>
+          <a:off x="0" y="0"/>
+          <a:ext cx="0" cy="0"/>
+          <a:chOff x="0" y="0"/>
+          <a:chExt cx="0" cy="0"/>
+        </a:xfrm>
+      </p:grpSpPr>
+      <p:sp>
+        <p:nvSpPr>
+          <p:cNvPr id="2" name="TextBox 1">
+            <a:extLst>
+              <a:ext uri="{FF2B5EF4-FFF2-40B4-BE49-F238E27FC236}">
+                <a16:creationId xmlns:a16="http://schemas.microsoft.com/office/drawing/2014/main" id="{72C17F35-A72F-1844-A055-74482BEA6852}"/>
+              </a:ext>
+            </a:extLst>
+          </p:cNvPr>
+          <p:cNvSpPr txBox="1"/>
+          <p:nvPr/>
+        </p:nvSpPr>
+        <p:spPr>
+          <a:xfrm>
+            <a:off x="5706309" y="199177"/>
+            <a:ext cx="779381" cy="461665"/>
+          </a:xfrm>
+          <a:prstGeom prst="rect">
+            <a:avLst/>
+          </a:prstGeom>
+          <a:noFill/>
+        </p:spPr>
+        <p:txBody>
+          <a:bodyPr wrap="none" rtlCol="0">
+            <a:spAutoFit/>
+          </a:bodyPr>
+          <a:lstStyle/>
+          <a:p>
+            <a:r>
+              <a:rPr lang="en-VN" sz="2400" dirty="0"/>
+              <a:t>Q&amp;A</a:t>
+            </a:r>
+          </a:p>
+        </p:txBody>
+      </p:sp>
+      <p:sp>
+        <p:nvSpPr>
+          <p:cNvPr id="4" name="TextBox 3">
+            <a:extLst>
+              <a:ext uri="{FF2B5EF4-FFF2-40B4-BE49-F238E27FC236}">
+                <a16:creationId xmlns:a16="http://schemas.microsoft.com/office/drawing/2014/main" id="{C7B1F8CA-0929-DC4E-8BA6-088C5E24C8EE}"/>
+              </a:ext>
+            </a:extLst>
+          </p:cNvPr>
+          <p:cNvSpPr txBox="1"/>
+          <p:nvPr/>
+        </p:nvSpPr>
+        <p:spPr>
+          <a:xfrm>
+            <a:off x="1888827" y="1920924"/>
+            <a:ext cx="8414343" cy="461665"/>
+          </a:xfrm>
+          <a:prstGeom prst="rect">
+            <a:avLst/>
+          </a:prstGeom>
+          <a:noFill/>
+        </p:spPr>
+        <p:txBody>
+          <a:bodyPr wrap="square" rtlCol="0">
+            <a:spAutoFit/>
+          </a:bodyPr>
+          <a:lstStyle/>
+          <a:p>
+            <a:r>
+              <a:rPr lang="en-VN" sz="2400" dirty="0"/>
+              <a:t>Hãy đặt câu hỏi bắt đầu bởi: </a:t>
+            </a:r>
+            <a:r>
+              <a:rPr lang="en-VN" sz="2400" b="1" dirty="0"/>
+              <a:t>WHY, WHAT, HOW, WHERE, WHEN.</a:t>
+            </a:r>
+          </a:p>
+        </p:txBody>
+      </p:sp>
+    </p:spTree>
+    <p:extLst>
+      <p:ext uri="{BB962C8B-B14F-4D97-AF65-F5344CB8AC3E}">
+        <p14:creationId xmlns:p14="http://schemas.microsoft.com/office/powerpoint/2010/main" val="908223138"/>
+      </p:ext>
+    </p:extLst>
+  </p:cSld>
+  <p:clrMapOvr>
+    <a:masterClrMapping/>
+  </p:clrMapOvr>
+</p:sld>
+</file>
+
 <file path=ppt/slides/slide2.xml><?xml version="1.0" encoding="utf-8"?>
 <p:sld xmlns:a="http://schemas.openxmlformats.org/drawingml/2006/main" xmlns:r="http://schemas.openxmlformats.org/officeDocument/2006/relationships" xmlns:p="http://schemas.openxmlformats.org/presentationml/2006/main">
   <p:cSld>
@@ -3715,10 +3834,10 @@
       </p:grpSpPr>
       <p:sp>
         <p:nvSpPr>
-          <p:cNvPr id="2" name="TextBox 1">
-            <a:extLst>
-              <a:ext uri="{FF2B5EF4-FFF2-40B4-BE49-F238E27FC236}">
-                <a16:creationId xmlns:a16="http://schemas.microsoft.com/office/drawing/2014/main" id="{72C17F35-A72F-1844-A055-74482BEA6852}"/>
+          <p:cNvPr id="6" name="TextBox 5">
+            <a:extLst>
+              <a:ext uri="{FF2B5EF4-FFF2-40B4-BE49-F238E27FC236}">
+                <a16:creationId xmlns:a16="http://schemas.microsoft.com/office/drawing/2014/main" id="{662164C4-95CF-444A-B5A4-B7B7D04BB402}"/>
               </a:ext>
             </a:extLst>
           </p:cNvPr>
@@ -3727,8 +3846,8 @@
         </p:nvSpPr>
         <p:spPr>
           <a:xfrm>
-            <a:off x="4839566" y="185530"/>
-            <a:ext cx="2246192" cy="461665"/>
+            <a:off x="4464656" y="96116"/>
+            <a:ext cx="3262688" cy="461665"/>
           </a:xfrm>
           <a:prstGeom prst="rect">
             <a:avLst/>
@@ -3742,16 +3861,50 @@
           <a:lstStyle/>
           <a:p>
             <a:r>
-              <a:rPr lang="en-VN" sz="2400" dirty="0"/>
-              <a:t>Documentations</a:t>
-            </a:r>
-          </a:p>
-        </p:txBody>
-      </p:sp>
+              <a:rPr lang="en-VN" sz="2400" dirty="0">
+                <a:solidFill>
+                  <a:srgbClr val="0070C0"/>
+                </a:solidFill>
+              </a:rPr>
+              <a:t>Build First Basic Detail UI</a:t>
+            </a:r>
+          </a:p>
+        </p:txBody>
+      </p:sp>
+      <p:pic>
+        <p:nvPicPr>
+          <p:cNvPr id="5" name="Picture 4">
+            <a:extLst>
+              <a:ext uri="{FF2B5EF4-FFF2-40B4-BE49-F238E27FC236}">
+                <a16:creationId xmlns:a16="http://schemas.microsoft.com/office/drawing/2014/main" id="{9442B8D3-D9F7-A344-A4F2-BA914F7B44BF}"/>
+              </a:ext>
+            </a:extLst>
+          </p:cNvPr>
+          <p:cNvPicPr>
+            <a:picLocks noChangeAspect="1"/>
+          </p:cNvPicPr>
+          <p:nvPr/>
+        </p:nvPicPr>
+        <p:blipFill>
+          <a:blip r:embed="rId2"/>
+          <a:stretch>
+            <a:fillRect/>
+          </a:stretch>
+        </p:blipFill>
+        <p:spPr>
+          <a:xfrm>
+            <a:off x="4747997" y="765685"/>
+            <a:ext cx="2696006" cy="5834835"/>
+          </a:xfrm>
+          <a:prstGeom prst="rect">
+            <a:avLst/>
+          </a:prstGeom>
+        </p:spPr>
+      </p:pic>
     </p:spTree>
     <p:extLst>
       <p:ext uri="{BB962C8B-B14F-4D97-AF65-F5344CB8AC3E}">
-        <p14:creationId xmlns:p14="http://schemas.microsoft.com/office/powerpoint/2010/main" val="2526333462"/>
+        <p14:creationId xmlns:p14="http://schemas.microsoft.com/office/powerpoint/2010/main" val="3469228449"/>
       </p:ext>
     </p:extLst>
   </p:cSld>
@@ -3790,10 +3943,10 @@
       </p:grpSpPr>
       <p:sp>
         <p:nvSpPr>
-          <p:cNvPr id="2" name="TextBox 1">
-            <a:extLst>
-              <a:ext uri="{FF2B5EF4-FFF2-40B4-BE49-F238E27FC236}">
-                <a16:creationId xmlns:a16="http://schemas.microsoft.com/office/drawing/2014/main" id="{72C17F35-A72F-1844-A055-74482BEA6852}"/>
+          <p:cNvPr id="6" name="TextBox 5">
+            <a:extLst>
+              <a:ext uri="{FF2B5EF4-FFF2-40B4-BE49-F238E27FC236}">
+                <a16:creationId xmlns:a16="http://schemas.microsoft.com/office/drawing/2014/main" id="{662164C4-95CF-444A-B5A4-B7B7D04BB402}"/>
               </a:ext>
             </a:extLst>
           </p:cNvPr>
@@ -3802,8 +3955,8 @@
         </p:nvSpPr>
         <p:spPr>
           <a:xfrm>
-            <a:off x="4839566" y="185530"/>
-            <a:ext cx="1749838" cy="461665"/>
+            <a:off x="4816643" y="26647"/>
+            <a:ext cx="2558714" cy="461665"/>
           </a:xfrm>
           <a:prstGeom prst="rect">
             <a:avLst/>
@@ -3817,16 +3970,50 @@
           <a:lstStyle/>
           <a:p>
             <a:r>
-              <a:rPr lang="en-VN" sz="2400" dirty="0"/>
-              <a:t>Home works</a:t>
-            </a:r>
-          </a:p>
-        </p:txBody>
-      </p:sp>
+              <a:rPr lang="en-VN" sz="2400" dirty="0">
+                <a:solidFill>
+                  <a:srgbClr val="0070C0"/>
+                </a:solidFill>
+              </a:rPr>
+              <a:t>Phân tích giao diện</a:t>
+            </a:r>
+          </a:p>
+        </p:txBody>
+      </p:sp>
+      <p:pic>
+        <p:nvPicPr>
+          <p:cNvPr id="3" name="Picture 2" descr="A picture containing calendar&#10;&#10;Description automatically generated">
+            <a:extLst>
+              <a:ext uri="{FF2B5EF4-FFF2-40B4-BE49-F238E27FC236}">
+                <a16:creationId xmlns:a16="http://schemas.microsoft.com/office/drawing/2014/main" id="{5AED0C19-2710-F748-ADD1-7647B881F889}"/>
+              </a:ext>
+            </a:extLst>
+          </p:cNvPr>
+          <p:cNvPicPr>
+            <a:picLocks noChangeAspect="1"/>
+          </p:cNvPicPr>
+          <p:nvPr/>
+        </p:nvPicPr>
+        <p:blipFill>
+          <a:blip r:embed="rId2"/>
+          <a:stretch>
+            <a:fillRect/>
+          </a:stretch>
+        </p:blipFill>
+        <p:spPr>
+          <a:xfrm>
+            <a:off x="3274568" y="488312"/>
+            <a:ext cx="5642863" cy="6176494"/>
+          </a:xfrm>
+          <a:prstGeom prst="rect">
+            <a:avLst/>
+          </a:prstGeom>
+        </p:spPr>
+      </p:pic>
     </p:spTree>
     <p:extLst>
       <p:ext uri="{BB962C8B-B14F-4D97-AF65-F5344CB8AC3E}">
-        <p14:creationId xmlns:p14="http://schemas.microsoft.com/office/powerpoint/2010/main" val="3027725359"/>
+        <p14:creationId xmlns:p14="http://schemas.microsoft.com/office/powerpoint/2010/main" val="1666353528"/>
       </p:ext>
     </p:extLst>
   </p:cSld>
@@ -3877,8 +4064,8 @@
         </p:nvSpPr>
         <p:spPr>
           <a:xfrm>
-            <a:off x="5706309" y="199177"/>
-            <a:ext cx="779381" cy="461665"/>
+            <a:off x="5144364" y="-2038"/>
+            <a:ext cx="1699376" cy="461665"/>
           </a:xfrm>
           <a:prstGeom prst="rect">
             <a:avLst/>
@@ -3892,18 +4079,92 @@
           <a:lstStyle/>
           <a:p>
             <a:r>
-              <a:rPr lang="en-VN" sz="2400" dirty="0"/>
-              <a:t>Q&amp;A</a:t>
-            </a:r>
-          </a:p>
-        </p:txBody>
-      </p:sp>
-      <p:sp>
-        <p:nvSpPr>
-          <p:cNvPr id="4" name="TextBox 3">
-            <a:extLst>
-              <a:ext uri="{FF2B5EF4-FFF2-40B4-BE49-F238E27FC236}">
-                <a16:creationId xmlns:a16="http://schemas.microsoft.com/office/drawing/2014/main" id="{C7B1F8CA-0929-DC4E-8BA6-088C5E24C8EE}"/>
+              <a:rPr lang="en-VN" sz="2400" dirty="0">
+                <a:solidFill>
+                  <a:srgbClr val="0070C0"/>
+                </a:solidFill>
+              </a:rPr>
+              <a:t>Widget Tree</a:t>
+            </a:r>
+          </a:p>
+        </p:txBody>
+      </p:sp>
+      <p:pic>
+        <p:nvPicPr>
+          <p:cNvPr id="6" name="Picture 5">
+            <a:extLst>
+              <a:ext uri="{FF2B5EF4-FFF2-40B4-BE49-F238E27FC236}">
+                <a16:creationId xmlns:a16="http://schemas.microsoft.com/office/drawing/2014/main" id="{D22AD29C-2C21-7246-A7BB-18A309EF16AB}"/>
+              </a:ext>
+            </a:extLst>
+          </p:cNvPr>
+          <p:cNvPicPr>
+            <a:picLocks noChangeAspect="1"/>
+          </p:cNvPicPr>
+          <p:nvPr/>
+        </p:nvPicPr>
+        <p:blipFill>
+          <a:blip r:embed="rId2"/>
+          <a:stretch>
+            <a:fillRect/>
+          </a:stretch>
+        </p:blipFill>
+        <p:spPr>
+          <a:xfrm>
+            <a:off x="665191" y="433489"/>
+            <a:ext cx="10861618" cy="6424511"/>
+          </a:xfrm>
+          <a:prstGeom prst="rect">
+            <a:avLst/>
+          </a:prstGeom>
+        </p:spPr>
+      </p:pic>
+    </p:spTree>
+    <p:extLst>
+      <p:ext uri="{BB962C8B-B14F-4D97-AF65-F5344CB8AC3E}">
+        <p14:creationId xmlns:p14="http://schemas.microsoft.com/office/powerpoint/2010/main" val="2526333462"/>
+      </p:ext>
+    </p:extLst>
+  </p:cSld>
+  <p:clrMapOvr>
+    <a:masterClrMapping/>
+  </p:clrMapOvr>
+</p:sld>
+</file>
+
+<file path=ppt/slides/slide6.xml><?xml version="1.0" encoding="utf-8"?>
+<p:sld xmlns:a="http://schemas.openxmlformats.org/drawingml/2006/main" xmlns:r="http://schemas.openxmlformats.org/officeDocument/2006/relationships" xmlns:p="http://schemas.openxmlformats.org/presentationml/2006/main">
+  <p:cSld>
+    <p:bg>
+      <p:bgPr>
+        <a:solidFill>
+          <a:schemeClr val="bg1">
+            <a:alpha val="39000"/>
+          </a:schemeClr>
+        </a:solidFill>
+        <a:effectLst/>
+      </p:bgPr>
+    </p:bg>
+    <p:spTree>
+      <p:nvGrpSpPr>
+        <p:cNvPr id="1" name=""/>
+        <p:cNvGrpSpPr/>
+        <p:nvPr/>
+      </p:nvGrpSpPr>
+      <p:grpSpPr>
+        <a:xfrm>
+          <a:off x="0" y="0"/>
+          <a:ext cx="0" cy="0"/>
+          <a:chOff x="0" y="0"/>
+          <a:chExt cx="0" cy="0"/>
+        </a:xfrm>
+      </p:grpSpPr>
+      <p:sp>
+        <p:nvSpPr>
+          <p:cNvPr id="2" name="TextBox 1">
+            <a:extLst>
+              <a:ext uri="{FF2B5EF4-FFF2-40B4-BE49-F238E27FC236}">
+                <a16:creationId xmlns:a16="http://schemas.microsoft.com/office/drawing/2014/main" id="{72C17F35-A72F-1844-A055-74482BEA6852}"/>
               </a:ext>
             </a:extLst>
           </p:cNvPr>
@@ -3912,8 +4173,8 @@
         </p:nvSpPr>
         <p:spPr>
           <a:xfrm>
-            <a:off x="1888827" y="1920924"/>
-            <a:ext cx="8414343" cy="461665"/>
+            <a:off x="4839566" y="185530"/>
+            <a:ext cx="1728294" cy="461665"/>
           </a:xfrm>
           <a:prstGeom prst="rect">
             <a:avLst/>
@@ -3921,26 +4182,504 @@
           <a:noFill/>
         </p:spPr>
         <p:txBody>
-          <a:bodyPr wrap="square" rtlCol="0">
+          <a:bodyPr wrap="none" rtlCol="0">
             <a:spAutoFit/>
           </a:bodyPr>
           <a:lstStyle/>
           <a:p>
             <a:r>
+              <a:rPr lang="en-VN" sz="2400" dirty="0">
+                <a:solidFill>
+                  <a:srgbClr val="0070C0"/>
+                </a:solidFill>
+              </a:rPr>
+              <a:t>Thêm assets</a:t>
+            </a:r>
+          </a:p>
+        </p:txBody>
+      </p:sp>
+      <p:sp>
+        <p:nvSpPr>
+          <p:cNvPr id="4" name="TextBox 3">
+            <a:extLst>
+              <a:ext uri="{FF2B5EF4-FFF2-40B4-BE49-F238E27FC236}">
+                <a16:creationId xmlns:a16="http://schemas.microsoft.com/office/drawing/2014/main" id="{FF909BF2-0051-2B43-B5B3-FAE3EC6DDB09}"/>
+              </a:ext>
+            </a:extLst>
+          </p:cNvPr>
+          <p:cNvSpPr txBox="1"/>
+          <p:nvPr/>
+        </p:nvSpPr>
+        <p:spPr>
+          <a:xfrm>
+            <a:off x="968188" y="1004047"/>
+            <a:ext cx="10023963" cy="1938992"/>
+          </a:xfrm>
+          <a:prstGeom prst="rect">
+            <a:avLst/>
+          </a:prstGeom>
+          <a:noFill/>
+        </p:spPr>
+        <p:txBody>
+          <a:bodyPr wrap="none" rtlCol="0">
+            <a:spAutoFit/>
+          </a:bodyPr>
+          <a:lstStyle/>
+          <a:p>
+            <a:pPr marL="342900" indent="-342900">
+              <a:buAutoNum type="arabicPeriod"/>
+            </a:pPr>
+            <a:r>
+              <a:rPr lang="en-US" sz="2400" dirty="0"/>
+              <a:t>B</a:t>
+            </a:r>
+            <a:r>
               <a:rPr lang="en-VN" sz="2400" dirty="0"/>
-              <a:t>Hãy đặt câu hỏi bắt đầu bởi: </a:t>
-            </a:r>
-            <a:r>
-              <a:rPr lang="en-VN" sz="2400" b="1" dirty="0"/>
-              <a:t>WHY, WHAT, HOW, WHERE, WHEN.</a:t>
-            </a:r>
+              <a:t>ỏ ảnh vào project. (Lưu ý nên có 3 độ phân giải 1x, 2x, 3x)</a:t>
+            </a:r>
+          </a:p>
+          <a:p>
+            <a:pPr marL="342900" indent="-342900">
+              <a:buAutoNum type="arabicPeriod"/>
+            </a:pPr>
+            <a:r>
+              <a:rPr lang="en-VN" sz="2400" dirty="0"/>
+              <a:t>Khai báo ở pubspec.yaml</a:t>
+            </a:r>
+          </a:p>
+          <a:p>
+            <a:pPr marL="342900" indent="-342900">
+              <a:buAutoNum type="arabicPeriod"/>
+            </a:pPr>
+            <a:r>
+              <a:rPr lang="en-VN" sz="2400" dirty="0"/>
+              <a:t>Sử dụng.</a:t>
+            </a:r>
+          </a:p>
+          <a:p>
+            <a:pPr marL="342900" indent="-342900">
+              <a:buAutoNum type="arabicPeriod"/>
+            </a:pPr>
+            <a:r>
+              <a:rPr lang="en-VN" sz="2400" dirty="0"/>
+              <a:t>Link tham khảo: </a:t>
+            </a:r>
+            <a:r>
+              <a:rPr lang="en-US" sz="2400" dirty="0">
+                <a:hlinkClick r:id="rId2"/>
+              </a:rPr>
+              <a:t>https://docs.flutter.dev/development/ui/assets-and-images</a:t>
+            </a:r>
+            <a:endParaRPr lang="en-US" sz="2400" dirty="0"/>
+          </a:p>
+          <a:p>
+            <a:r>
+              <a:rPr lang="en-US" sz="2400" dirty="0"/>
+              <a:t>5. Keyword: </a:t>
+            </a:r>
+            <a:r>
+              <a:rPr lang="en-US" sz="2400" i="1" dirty="0"/>
+              <a:t>How to add image in flutter</a:t>
+            </a:r>
+            <a:endParaRPr lang="en-VN" sz="2400" i="1" dirty="0"/>
           </a:p>
         </p:txBody>
       </p:sp>
     </p:spTree>
     <p:extLst>
       <p:ext uri="{BB962C8B-B14F-4D97-AF65-F5344CB8AC3E}">
-        <p14:creationId xmlns:p14="http://schemas.microsoft.com/office/powerpoint/2010/main" val="908223138"/>
+        <p14:creationId xmlns:p14="http://schemas.microsoft.com/office/powerpoint/2010/main" val="3027725359"/>
+      </p:ext>
+    </p:extLst>
+  </p:cSld>
+  <p:clrMapOvr>
+    <a:masterClrMapping/>
+  </p:clrMapOvr>
+</p:sld>
+</file>
+
+<file path=ppt/slides/slide7.xml><?xml version="1.0" encoding="utf-8"?>
+<p:sld xmlns:a="http://schemas.openxmlformats.org/drawingml/2006/main" xmlns:r="http://schemas.openxmlformats.org/officeDocument/2006/relationships" xmlns:p="http://schemas.openxmlformats.org/presentationml/2006/main">
+  <p:cSld>
+    <p:bg>
+      <p:bgPr>
+        <a:solidFill>
+          <a:schemeClr val="bg1">
+            <a:alpha val="39000"/>
+          </a:schemeClr>
+        </a:solidFill>
+        <a:effectLst/>
+      </p:bgPr>
+    </p:bg>
+    <p:spTree>
+      <p:nvGrpSpPr>
+        <p:cNvPr id="1" name=""/>
+        <p:cNvGrpSpPr/>
+        <p:nvPr/>
+      </p:nvGrpSpPr>
+      <p:grpSpPr>
+        <a:xfrm>
+          <a:off x="0" y="0"/>
+          <a:ext cx="0" cy="0"/>
+          <a:chOff x="0" y="0"/>
+          <a:chExt cx="0" cy="0"/>
+        </a:xfrm>
+      </p:grpSpPr>
+      <p:sp>
+        <p:nvSpPr>
+          <p:cNvPr id="2" name="TextBox 1">
+            <a:extLst>
+              <a:ext uri="{FF2B5EF4-FFF2-40B4-BE49-F238E27FC236}">
+                <a16:creationId xmlns:a16="http://schemas.microsoft.com/office/drawing/2014/main" id="{72C17F35-A72F-1844-A055-74482BEA6852}"/>
+              </a:ext>
+            </a:extLst>
+          </p:cNvPr>
+          <p:cNvSpPr txBox="1"/>
+          <p:nvPr/>
+        </p:nvSpPr>
+        <p:spPr>
+          <a:xfrm>
+            <a:off x="5202582" y="3136612"/>
+            <a:ext cx="1786836" cy="584775"/>
+          </a:xfrm>
+          <a:prstGeom prst="rect">
+            <a:avLst/>
+          </a:prstGeom>
+          <a:noFill/>
+        </p:spPr>
+        <p:txBody>
+          <a:bodyPr wrap="none" rtlCol="0">
+            <a:spAutoFit/>
+          </a:bodyPr>
+          <a:lstStyle/>
+          <a:p>
+            <a:r>
+              <a:rPr lang="en-VN" sz="3200" dirty="0">
+                <a:solidFill>
+                  <a:srgbClr val="0070C0"/>
+                </a:solidFill>
+              </a:rPr>
+              <a:t>Live Code</a:t>
+            </a:r>
+          </a:p>
+        </p:txBody>
+      </p:sp>
+    </p:spTree>
+    <p:extLst>
+      <p:ext uri="{BB962C8B-B14F-4D97-AF65-F5344CB8AC3E}">
+        <p14:creationId xmlns:p14="http://schemas.microsoft.com/office/powerpoint/2010/main" val="1959285425"/>
+      </p:ext>
+    </p:extLst>
+  </p:cSld>
+  <p:clrMapOvr>
+    <a:masterClrMapping/>
+  </p:clrMapOvr>
+</p:sld>
+</file>
+
+<file path=ppt/slides/slide8.xml><?xml version="1.0" encoding="utf-8"?>
+<p:sld xmlns:a="http://schemas.openxmlformats.org/drawingml/2006/main" xmlns:r="http://schemas.openxmlformats.org/officeDocument/2006/relationships" xmlns:p="http://schemas.openxmlformats.org/presentationml/2006/main">
+  <p:cSld>
+    <p:bg>
+      <p:bgPr>
+        <a:solidFill>
+          <a:schemeClr val="bg1">
+            <a:alpha val="39000"/>
+          </a:schemeClr>
+        </a:solidFill>
+        <a:effectLst/>
+      </p:bgPr>
+    </p:bg>
+    <p:spTree>
+      <p:nvGrpSpPr>
+        <p:cNvPr id="1" name=""/>
+        <p:cNvGrpSpPr/>
+        <p:nvPr/>
+      </p:nvGrpSpPr>
+      <p:grpSpPr>
+        <a:xfrm>
+          <a:off x="0" y="0"/>
+          <a:ext cx="0" cy="0"/>
+          <a:chOff x="0" y="0"/>
+          <a:chExt cx="0" cy="0"/>
+        </a:xfrm>
+      </p:grpSpPr>
+      <p:sp>
+        <p:nvSpPr>
+          <p:cNvPr id="2" name="TextBox 1">
+            <a:extLst>
+              <a:ext uri="{FF2B5EF4-FFF2-40B4-BE49-F238E27FC236}">
+                <a16:creationId xmlns:a16="http://schemas.microsoft.com/office/drawing/2014/main" id="{72C17F35-A72F-1844-A055-74482BEA6852}"/>
+              </a:ext>
+            </a:extLst>
+          </p:cNvPr>
+          <p:cNvSpPr txBox="1"/>
+          <p:nvPr/>
+        </p:nvSpPr>
+        <p:spPr>
+          <a:xfrm>
+            <a:off x="4839566" y="185530"/>
+            <a:ext cx="2125967" cy="461665"/>
+          </a:xfrm>
+          <a:prstGeom prst="rect">
+            <a:avLst/>
+          </a:prstGeom>
+          <a:noFill/>
+        </p:spPr>
+        <p:txBody>
+          <a:bodyPr wrap="none" rtlCol="0">
+            <a:spAutoFit/>
+          </a:bodyPr>
+          <a:lstStyle/>
+          <a:p>
+            <a:r>
+              <a:rPr lang="en-VN" sz="2400" dirty="0">
+                <a:solidFill>
+                  <a:srgbClr val="0070C0"/>
+                </a:solidFill>
+              </a:rPr>
+              <a:t>Documentation</a:t>
+            </a:r>
+          </a:p>
+        </p:txBody>
+      </p:sp>
+      <p:sp>
+        <p:nvSpPr>
+          <p:cNvPr id="4" name="TextBox 3">
+            <a:extLst>
+              <a:ext uri="{FF2B5EF4-FFF2-40B4-BE49-F238E27FC236}">
+                <a16:creationId xmlns:a16="http://schemas.microsoft.com/office/drawing/2014/main" id="{FF909BF2-0051-2B43-B5B3-FAE3EC6DDB09}"/>
+              </a:ext>
+            </a:extLst>
+          </p:cNvPr>
+          <p:cNvSpPr txBox="1"/>
+          <p:nvPr/>
+        </p:nvSpPr>
+        <p:spPr>
+          <a:xfrm>
+            <a:off x="968188" y="1004047"/>
+            <a:ext cx="2858090" cy="830997"/>
+          </a:xfrm>
+          <a:prstGeom prst="rect">
+            <a:avLst/>
+          </a:prstGeom>
+          <a:noFill/>
+        </p:spPr>
+        <p:txBody>
+          <a:bodyPr wrap="none" rtlCol="0">
+            <a:spAutoFit/>
+          </a:bodyPr>
+          <a:lstStyle/>
+          <a:p>
+            <a:pPr marL="342900" indent="-342900">
+              <a:buAutoNum type="arabicPeriod"/>
+            </a:pPr>
+            <a:r>
+              <a:rPr lang="en-US" sz="2400" dirty="0" err="1"/>
+              <a:t>Các</a:t>
+            </a:r>
+            <a:r>
+              <a:rPr lang="en-US" sz="2400" dirty="0"/>
+              <a:t> Widget </a:t>
+            </a:r>
+            <a:r>
+              <a:rPr lang="en-US" sz="2400" dirty="0" err="1"/>
+              <a:t>cơ</a:t>
+            </a:r>
+            <a:r>
+              <a:rPr lang="en-US" sz="2400" dirty="0"/>
+              <a:t> </a:t>
+            </a:r>
+            <a:r>
+              <a:rPr lang="en-US" sz="2400" dirty="0" err="1"/>
+              <a:t>bản</a:t>
+            </a:r>
+            <a:endParaRPr lang="en-US" sz="2400" dirty="0"/>
+          </a:p>
+          <a:p>
+            <a:pPr marL="342900" indent="-342900">
+              <a:buAutoNum type="arabicPeriod"/>
+            </a:pPr>
+            <a:r>
+              <a:rPr lang="en-US" sz="2400" dirty="0"/>
+              <a:t>Build UI </a:t>
+            </a:r>
+            <a:r>
+              <a:rPr lang="en-US" sz="2400" dirty="0" err="1"/>
+              <a:t>cơ</a:t>
+            </a:r>
+            <a:r>
+              <a:rPr lang="en-US" sz="2400" dirty="0"/>
+              <a:t> </a:t>
+            </a:r>
+            <a:r>
+              <a:rPr lang="en-US" sz="2400" dirty="0" err="1"/>
+              <a:t>bản</a:t>
+            </a:r>
+            <a:endParaRPr lang="en-VN" sz="2400" dirty="0"/>
+          </a:p>
+        </p:txBody>
+      </p:sp>
+    </p:spTree>
+    <p:extLst>
+      <p:ext uri="{BB962C8B-B14F-4D97-AF65-F5344CB8AC3E}">
+        <p14:creationId xmlns:p14="http://schemas.microsoft.com/office/powerpoint/2010/main" val="1045592158"/>
+      </p:ext>
+    </p:extLst>
+  </p:cSld>
+  <p:clrMapOvr>
+    <a:masterClrMapping/>
+  </p:clrMapOvr>
+</p:sld>
+</file>
+
+<file path=ppt/slides/slide9.xml><?xml version="1.0" encoding="utf-8"?>
+<p:sld xmlns:a="http://schemas.openxmlformats.org/drawingml/2006/main" xmlns:r="http://schemas.openxmlformats.org/officeDocument/2006/relationships" xmlns:p="http://schemas.openxmlformats.org/presentationml/2006/main">
+  <p:cSld>
+    <p:bg>
+      <p:bgPr>
+        <a:solidFill>
+          <a:schemeClr val="bg1">
+            <a:alpha val="39000"/>
+          </a:schemeClr>
+        </a:solidFill>
+        <a:effectLst/>
+      </p:bgPr>
+    </p:bg>
+    <p:spTree>
+      <p:nvGrpSpPr>
+        <p:cNvPr id="1" name=""/>
+        <p:cNvGrpSpPr/>
+        <p:nvPr/>
+      </p:nvGrpSpPr>
+      <p:grpSpPr>
+        <a:xfrm>
+          <a:off x="0" y="0"/>
+          <a:ext cx="0" cy="0"/>
+          <a:chOff x="0" y="0"/>
+          <a:chExt cx="0" cy="0"/>
+        </a:xfrm>
+      </p:grpSpPr>
+      <p:sp>
+        <p:nvSpPr>
+          <p:cNvPr id="2" name="TextBox 1">
+            <a:extLst>
+              <a:ext uri="{FF2B5EF4-FFF2-40B4-BE49-F238E27FC236}">
+                <a16:creationId xmlns:a16="http://schemas.microsoft.com/office/drawing/2014/main" id="{72C17F35-A72F-1844-A055-74482BEA6852}"/>
+              </a:ext>
+            </a:extLst>
+          </p:cNvPr>
+          <p:cNvSpPr txBox="1"/>
+          <p:nvPr/>
+        </p:nvSpPr>
+        <p:spPr>
+          <a:xfrm>
+            <a:off x="4839566" y="185530"/>
+            <a:ext cx="1562094" cy="461665"/>
+          </a:xfrm>
+          <a:prstGeom prst="rect">
+            <a:avLst/>
+          </a:prstGeom>
+          <a:noFill/>
+        </p:spPr>
+        <p:txBody>
+          <a:bodyPr wrap="none" rtlCol="0">
+            <a:spAutoFit/>
+          </a:bodyPr>
+          <a:lstStyle/>
+          <a:p>
+            <a:r>
+              <a:rPr lang="en-VN" sz="2400" dirty="0">
+                <a:solidFill>
+                  <a:srgbClr val="0070C0"/>
+                </a:solidFill>
+              </a:rPr>
+              <a:t>Homework</a:t>
+            </a:r>
+          </a:p>
+        </p:txBody>
+      </p:sp>
+      <p:sp>
+        <p:nvSpPr>
+          <p:cNvPr id="4" name="TextBox 3">
+            <a:extLst>
+              <a:ext uri="{FF2B5EF4-FFF2-40B4-BE49-F238E27FC236}">
+                <a16:creationId xmlns:a16="http://schemas.microsoft.com/office/drawing/2014/main" id="{FF909BF2-0051-2B43-B5B3-FAE3EC6DDB09}"/>
+              </a:ext>
+            </a:extLst>
+          </p:cNvPr>
+          <p:cNvSpPr txBox="1"/>
+          <p:nvPr/>
+        </p:nvSpPr>
+        <p:spPr>
+          <a:xfrm>
+            <a:off x="968188" y="1004047"/>
+            <a:ext cx="2858090" cy="830997"/>
+          </a:xfrm>
+          <a:prstGeom prst="rect">
+            <a:avLst/>
+          </a:prstGeom>
+          <a:noFill/>
+        </p:spPr>
+        <p:txBody>
+          <a:bodyPr wrap="none" rtlCol="0">
+            <a:spAutoFit/>
+          </a:bodyPr>
+          <a:lstStyle/>
+          <a:p>
+            <a:pPr marL="342900" indent="-342900">
+              <a:buAutoNum type="arabicPeriod"/>
+            </a:pPr>
+            <a:r>
+              <a:rPr lang="en-US" sz="2400" dirty="0" err="1"/>
+              <a:t>Các</a:t>
+            </a:r>
+            <a:r>
+              <a:rPr lang="en-US" sz="2400" dirty="0"/>
+              <a:t> Widget </a:t>
+            </a:r>
+            <a:r>
+              <a:rPr lang="en-US" sz="2400" dirty="0" err="1"/>
+              <a:t>cơ</a:t>
+            </a:r>
+            <a:r>
+              <a:rPr lang="en-US" sz="2400" dirty="0"/>
+              <a:t> </a:t>
+            </a:r>
+            <a:r>
+              <a:rPr lang="en-US" sz="2400" dirty="0" err="1"/>
+              <a:t>bản</a:t>
+            </a:r>
+            <a:endParaRPr lang="en-US" sz="2400" dirty="0"/>
+          </a:p>
+          <a:p>
+            <a:pPr marL="342900" indent="-342900">
+              <a:buAutoNum type="arabicPeriod"/>
+            </a:pPr>
+            <a:r>
+              <a:rPr lang="en-US" sz="2400" dirty="0"/>
+              <a:t>Build UI </a:t>
+            </a:r>
+            <a:r>
+              <a:rPr lang="en-US" sz="2400" dirty="0" err="1"/>
+              <a:t>cơ</a:t>
+            </a:r>
+            <a:r>
+              <a:rPr lang="en-US" sz="2400" dirty="0"/>
+              <a:t> </a:t>
+            </a:r>
+            <a:r>
+              <a:rPr lang="en-US" sz="2400" dirty="0" err="1"/>
+              <a:t>bản</a:t>
+            </a:r>
+            <a:endParaRPr lang="en-VN" sz="2400" dirty="0"/>
+          </a:p>
+        </p:txBody>
+      </p:sp>
+    </p:spTree>
+    <p:extLst>
+      <p:ext uri="{BB962C8B-B14F-4D97-AF65-F5344CB8AC3E}">
+        <p14:creationId xmlns:p14="http://schemas.microsoft.com/office/powerpoint/2010/main" val="743180881"/>
       </p:ext>
     </p:extLst>
   </p:cSld>

--- a/buoi3_basicflutter/[3- Flutter] Basic Flutter 1.pptx
+++ b/buoi3_basicflutter/[3- Flutter] Basic Flutter 1.pptx
@@ -270,7 +270,7 @@
           <a:p>
             <a:fld id="{825924F4-B343-0240-8396-7156ADA96000}" type="datetimeFigureOut">
               <a:rPr lang="en-VN" smtClean="0"/>
-              <a:t>05/06/2022</a:t>
+              <a:t>06/06/2022</a:t>
             </a:fld>
             <a:endParaRPr lang="en-VN"/>
           </a:p>
@@ -470,7 +470,7 @@
           <a:p>
             <a:fld id="{825924F4-B343-0240-8396-7156ADA96000}" type="datetimeFigureOut">
               <a:rPr lang="en-VN" smtClean="0"/>
-              <a:t>05/06/2022</a:t>
+              <a:t>06/06/2022</a:t>
             </a:fld>
             <a:endParaRPr lang="en-VN"/>
           </a:p>
@@ -680,7 +680,7 @@
           <a:p>
             <a:fld id="{825924F4-B343-0240-8396-7156ADA96000}" type="datetimeFigureOut">
               <a:rPr lang="en-VN" smtClean="0"/>
-              <a:t>05/06/2022</a:t>
+              <a:t>06/06/2022</a:t>
             </a:fld>
             <a:endParaRPr lang="en-VN"/>
           </a:p>
@@ -880,7 +880,7 @@
           <a:p>
             <a:fld id="{825924F4-B343-0240-8396-7156ADA96000}" type="datetimeFigureOut">
               <a:rPr lang="en-VN" smtClean="0"/>
-              <a:t>05/06/2022</a:t>
+              <a:t>06/06/2022</a:t>
             </a:fld>
             <a:endParaRPr lang="en-VN"/>
           </a:p>
@@ -1156,7 +1156,7 @@
           <a:p>
             <a:fld id="{825924F4-B343-0240-8396-7156ADA96000}" type="datetimeFigureOut">
               <a:rPr lang="en-VN" smtClean="0"/>
-              <a:t>05/06/2022</a:t>
+              <a:t>06/06/2022</a:t>
             </a:fld>
             <a:endParaRPr lang="en-VN"/>
           </a:p>
@@ -1424,7 +1424,7 @@
           <a:p>
             <a:fld id="{825924F4-B343-0240-8396-7156ADA96000}" type="datetimeFigureOut">
               <a:rPr lang="en-VN" smtClean="0"/>
-              <a:t>05/06/2022</a:t>
+              <a:t>06/06/2022</a:t>
             </a:fld>
             <a:endParaRPr lang="en-VN"/>
           </a:p>
@@ -1839,7 +1839,7 @@
           <a:p>
             <a:fld id="{825924F4-B343-0240-8396-7156ADA96000}" type="datetimeFigureOut">
               <a:rPr lang="en-VN" smtClean="0"/>
-              <a:t>05/06/2022</a:t>
+              <a:t>06/06/2022</a:t>
             </a:fld>
             <a:endParaRPr lang="en-VN"/>
           </a:p>
@@ -1981,7 +1981,7 @@
           <a:p>
             <a:fld id="{825924F4-B343-0240-8396-7156ADA96000}" type="datetimeFigureOut">
               <a:rPr lang="en-VN" smtClean="0"/>
-              <a:t>05/06/2022</a:t>
+              <a:t>06/06/2022</a:t>
             </a:fld>
             <a:endParaRPr lang="en-VN"/>
           </a:p>
@@ -2094,7 +2094,7 @@
           <a:p>
             <a:fld id="{825924F4-B343-0240-8396-7156ADA96000}" type="datetimeFigureOut">
               <a:rPr lang="en-VN" smtClean="0"/>
-              <a:t>05/06/2022</a:t>
+              <a:t>06/06/2022</a:t>
             </a:fld>
             <a:endParaRPr lang="en-VN"/>
           </a:p>
@@ -2407,7 +2407,7 @@
           <a:p>
             <a:fld id="{825924F4-B343-0240-8396-7156ADA96000}" type="datetimeFigureOut">
               <a:rPr lang="en-VN" smtClean="0"/>
-              <a:t>05/06/2022</a:t>
+              <a:t>06/06/2022</a:t>
             </a:fld>
             <a:endParaRPr lang="en-VN"/>
           </a:p>
@@ -2696,7 +2696,7 @@
           <a:p>
             <a:fld id="{825924F4-B343-0240-8396-7156ADA96000}" type="datetimeFigureOut">
               <a:rPr lang="en-VN" smtClean="0"/>
-              <a:t>05/06/2022</a:t>
+              <a:t>06/06/2022</a:t>
             </a:fld>
             <a:endParaRPr lang="en-VN"/>
           </a:p>
@@ -2939,7 +2939,7 @@
           <a:p>
             <a:fld id="{825924F4-B343-0240-8396-7156ADA96000}" type="datetimeFigureOut">
               <a:rPr lang="en-VN" smtClean="0"/>
-              <a:t>05/06/2022</a:t>
+              <a:t>06/06/2022</a:t>
             </a:fld>
             <a:endParaRPr lang="en-VN"/>
           </a:p>
@@ -3410,8 +3410,8 @@
         </p:nvSpPr>
         <p:spPr>
           <a:xfrm>
-            <a:off x="5500325" y="3698050"/>
-            <a:ext cx="1191352" cy="523220"/>
+            <a:off x="5002238" y="3791605"/>
+            <a:ext cx="2187522" cy="523220"/>
           </a:xfrm>
           <a:prstGeom prst="rect">
             <a:avLst/>
@@ -3434,7 +3434,7 @@
                   </a:schemeClr>
                 </a:solidFill>
               </a:rPr>
-              <a:t>Basic 1</a:t>
+              <a:t>Basic flutter 1</a:t>
             </a:r>
           </a:p>
         </p:txBody>
@@ -4458,7 +4458,7 @@
         <p:spPr>
           <a:xfrm>
             <a:off x="968188" y="1004047"/>
-            <a:ext cx="2858090" cy="830997"/>
+            <a:ext cx="6881820" cy="1200329"/>
           </a:xfrm>
           <a:prstGeom prst="rect">
             <a:avLst/>
@@ -4495,6 +4495,59 @@
               <a:t>bản</a:t>
             </a:r>
             <a:endParaRPr lang="en-US" sz="2400" dirty="0"/>
+          </a:p>
+          <a:p>
+            <a:pPr marL="342900" indent="-342900">
+              <a:buAutoNum type="arabicPeriod"/>
+            </a:pPr>
+            <a:r>
+              <a:rPr lang="en-US" sz="2400" dirty="0" err="1"/>
+              <a:t>Đọc</a:t>
+            </a:r>
+            <a:r>
+              <a:rPr lang="en-US" sz="2400" dirty="0"/>
+              <a:t> source code </a:t>
+            </a:r>
+            <a:r>
+              <a:rPr lang="en-US" sz="2400" dirty="0" err="1"/>
+              <a:t>và</a:t>
+            </a:r>
+            <a:r>
+              <a:rPr lang="en-US" sz="2400" dirty="0"/>
+              <a:t> docs </a:t>
+            </a:r>
+            <a:r>
+              <a:rPr lang="en-US" sz="2400" dirty="0" err="1"/>
+              <a:t>của</a:t>
+            </a:r>
+            <a:r>
+              <a:rPr lang="en-US" sz="2400" dirty="0"/>
+              <a:t> </a:t>
+            </a:r>
+            <a:r>
+              <a:rPr lang="en-US" sz="2400" dirty="0" err="1"/>
+              <a:t>Từng</a:t>
+            </a:r>
+            <a:r>
+              <a:rPr lang="en-US" sz="2400" dirty="0"/>
+              <a:t> class, </a:t>
+            </a:r>
+            <a:r>
+              <a:rPr lang="en-US" sz="2400" dirty="0" err="1"/>
+              <a:t>từng</a:t>
+            </a:r>
+            <a:r>
+              <a:rPr lang="en-US" sz="2400" dirty="0"/>
+              <a:t> </a:t>
+            </a:r>
+            <a:r>
+              <a:rPr lang="en-US" sz="2400" dirty="0" err="1"/>
+              <a:t>hàm</a:t>
+            </a:r>
+            <a:r>
+              <a:rPr lang="en-US" sz="2400" dirty="0"/>
+              <a:t>.</a:t>
+            </a:r>
           </a:p>
           <a:p>
             <a:pPr marL="342900" indent="-342900">

--- a/buoi3_basicflutter/[3- Flutter] Basic Flutter 1.pptx
+++ b/buoi3_basicflutter/[3- Flutter] Basic Flutter 1.pptx
@@ -4,6 +4,9 @@
   <p:sldMasterIdLst>
     <p:sldMasterId id="2147483648" r:id="rId1"/>
   </p:sldMasterIdLst>
+  <p:notesMasterIdLst>
+    <p:notesMasterId r:id="rId12"/>
+  </p:notesMasterIdLst>
   <p:sldIdLst>
     <p:sldId id="257" r:id="rId2"/>
     <p:sldId id="262" r:id="rId3"/>
@@ -121,6 +124,440 @@
 </p:presentation>
 </file>
 
+<file path=ppt/notesMasters/notesMaster1.xml><?xml version="1.0" encoding="utf-8"?>
+<p:notesMaster xmlns:a="http://schemas.openxmlformats.org/drawingml/2006/main" xmlns:r="http://schemas.openxmlformats.org/officeDocument/2006/relationships" xmlns:p="http://schemas.openxmlformats.org/presentationml/2006/main">
+  <p:cSld>
+    <p:bg>
+      <p:bgRef idx="1001">
+        <a:schemeClr val="bg1"/>
+      </p:bgRef>
+    </p:bg>
+    <p:spTree>
+      <p:nvGrpSpPr>
+        <p:cNvPr id="1" name=""/>
+        <p:cNvGrpSpPr/>
+        <p:nvPr/>
+      </p:nvGrpSpPr>
+      <p:grpSpPr>
+        <a:xfrm>
+          <a:off x="0" y="0"/>
+          <a:ext cx="0" cy="0"/>
+          <a:chOff x="0" y="0"/>
+          <a:chExt cx="0" cy="0"/>
+        </a:xfrm>
+      </p:grpSpPr>
+      <p:sp>
+        <p:nvSpPr>
+          <p:cNvPr id="2" name="Header Placeholder 1"/>
+          <p:cNvSpPr>
+            <a:spLocks noGrp="1"/>
+          </p:cNvSpPr>
+          <p:nvPr>
+            <p:ph type="hdr" sz="quarter"/>
+          </p:nvPr>
+        </p:nvSpPr>
+        <p:spPr>
+          <a:xfrm>
+            <a:off x="0" y="0"/>
+            <a:ext cx="2971800" cy="458788"/>
+          </a:xfrm>
+          <a:prstGeom prst="rect">
+            <a:avLst/>
+          </a:prstGeom>
+        </p:spPr>
+        <p:txBody>
+          <a:bodyPr vert="horz" lIns="91440" tIns="45720" rIns="91440" bIns="45720" rtlCol="0"/>
+          <a:lstStyle>
+            <a:lvl1pPr algn="l">
+              <a:defRPr sz="1200"/>
+            </a:lvl1pPr>
+          </a:lstStyle>
+          <a:p>
+            <a:endParaRPr lang="en-VN"/>
+          </a:p>
+        </p:txBody>
+      </p:sp>
+      <p:sp>
+        <p:nvSpPr>
+          <p:cNvPr id="3" name="Date Placeholder 2"/>
+          <p:cNvSpPr>
+            <a:spLocks noGrp="1"/>
+          </p:cNvSpPr>
+          <p:nvPr>
+            <p:ph type="dt" idx="1"/>
+          </p:nvPr>
+        </p:nvSpPr>
+        <p:spPr>
+          <a:xfrm>
+            <a:off x="3884613" y="0"/>
+            <a:ext cx="2971800" cy="458788"/>
+          </a:xfrm>
+          <a:prstGeom prst="rect">
+            <a:avLst/>
+          </a:prstGeom>
+        </p:spPr>
+        <p:txBody>
+          <a:bodyPr vert="horz" lIns="91440" tIns="45720" rIns="91440" bIns="45720" rtlCol="0"/>
+          <a:lstStyle>
+            <a:lvl1pPr algn="r">
+              <a:defRPr sz="1200"/>
+            </a:lvl1pPr>
+          </a:lstStyle>
+          <a:p>
+            <a:fld id="{769394F1-BEAC-CA47-BC8C-4E0893DE8B2B}" type="datetimeFigureOut">
+              <a:rPr lang="en-VN" smtClean="0"/>
+              <a:t>07/06/2022</a:t>
+            </a:fld>
+            <a:endParaRPr lang="en-VN"/>
+          </a:p>
+        </p:txBody>
+      </p:sp>
+      <p:sp>
+        <p:nvSpPr>
+          <p:cNvPr id="4" name="Slide Image Placeholder 3"/>
+          <p:cNvSpPr>
+            <a:spLocks noGrp="1" noRot="1" noChangeAspect="1"/>
+          </p:cNvSpPr>
+          <p:nvPr>
+            <p:ph type="sldImg" idx="2"/>
+          </p:nvPr>
+        </p:nvSpPr>
+        <p:spPr>
+          <a:xfrm>
+            <a:off x="685800" y="1143000"/>
+            <a:ext cx="5486400" cy="3086100"/>
+          </a:xfrm>
+          <a:prstGeom prst="rect">
+            <a:avLst/>
+          </a:prstGeom>
+          <a:noFill/>
+          <a:ln w="12700">
+            <a:solidFill>
+              <a:prstClr val="black"/>
+            </a:solidFill>
+          </a:ln>
+        </p:spPr>
+        <p:txBody>
+          <a:bodyPr vert="horz" lIns="91440" tIns="45720" rIns="91440" bIns="45720" rtlCol="0" anchor="ctr"/>
+          <a:lstStyle/>
+          <a:p>
+            <a:endParaRPr lang="en-VN"/>
+          </a:p>
+        </p:txBody>
+      </p:sp>
+      <p:sp>
+        <p:nvSpPr>
+          <p:cNvPr id="5" name="Notes Placeholder 4"/>
+          <p:cNvSpPr>
+            <a:spLocks noGrp="1"/>
+          </p:cNvSpPr>
+          <p:nvPr>
+            <p:ph type="body" sz="quarter" idx="3"/>
+          </p:nvPr>
+        </p:nvSpPr>
+        <p:spPr>
+          <a:xfrm>
+            <a:off x="685800" y="4400550"/>
+            <a:ext cx="5486400" cy="3600450"/>
+          </a:xfrm>
+          <a:prstGeom prst="rect">
+            <a:avLst/>
+          </a:prstGeom>
+        </p:spPr>
+        <p:txBody>
+          <a:bodyPr vert="horz" lIns="91440" tIns="45720" rIns="91440" bIns="45720" rtlCol="0"/>
+          <a:lstStyle/>
+          <a:p>
+            <a:pPr lvl="0"/>
+            <a:r>
+              <a:rPr lang="en-US"/>
+              <a:t>Click to edit Master text styles</a:t>
+            </a:r>
+          </a:p>
+          <a:p>
+            <a:pPr lvl="1"/>
+            <a:r>
+              <a:rPr lang="en-US"/>
+              <a:t>Second level</a:t>
+            </a:r>
+          </a:p>
+          <a:p>
+            <a:pPr lvl="2"/>
+            <a:r>
+              <a:rPr lang="en-US"/>
+              <a:t>Third level</a:t>
+            </a:r>
+          </a:p>
+          <a:p>
+            <a:pPr lvl="3"/>
+            <a:r>
+              <a:rPr lang="en-US"/>
+              <a:t>Fourth level</a:t>
+            </a:r>
+          </a:p>
+          <a:p>
+            <a:pPr lvl="4"/>
+            <a:r>
+              <a:rPr lang="en-US"/>
+              <a:t>Fifth level</a:t>
+            </a:r>
+            <a:endParaRPr lang="en-VN"/>
+          </a:p>
+        </p:txBody>
+      </p:sp>
+      <p:sp>
+        <p:nvSpPr>
+          <p:cNvPr id="6" name="Footer Placeholder 5"/>
+          <p:cNvSpPr>
+            <a:spLocks noGrp="1"/>
+          </p:cNvSpPr>
+          <p:nvPr>
+            <p:ph type="ftr" sz="quarter" idx="4"/>
+          </p:nvPr>
+        </p:nvSpPr>
+        <p:spPr>
+          <a:xfrm>
+            <a:off x="0" y="8685213"/>
+            <a:ext cx="2971800" cy="458787"/>
+          </a:xfrm>
+          <a:prstGeom prst="rect">
+            <a:avLst/>
+          </a:prstGeom>
+        </p:spPr>
+        <p:txBody>
+          <a:bodyPr vert="horz" lIns="91440" tIns="45720" rIns="91440" bIns="45720" rtlCol="0" anchor="b"/>
+          <a:lstStyle>
+            <a:lvl1pPr algn="l">
+              <a:defRPr sz="1200"/>
+            </a:lvl1pPr>
+          </a:lstStyle>
+          <a:p>
+            <a:endParaRPr lang="en-VN"/>
+          </a:p>
+        </p:txBody>
+      </p:sp>
+      <p:sp>
+        <p:nvSpPr>
+          <p:cNvPr id="7" name="Slide Number Placeholder 6"/>
+          <p:cNvSpPr>
+            <a:spLocks noGrp="1"/>
+          </p:cNvSpPr>
+          <p:nvPr>
+            <p:ph type="sldNum" sz="quarter" idx="5"/>
+          </p:nvPr>
+        </p:nvSpPr>
+        <p:spPr>
+          <a:xfrm>
+            <a:off x="3884613" y="8685213"/>
+            <a:ext cx="2971800" cy="458787"/>
+          </a:xfrm>
+          <a:prstGeom prst="rect">
+            <a:avLst/>
+          </a:prstGeom>
+        </p:spPr>
+        <p:txBody>
+          <a:bodyPr vert="horz" lIns="91440" tIns="45720" rIns="91440" bIns="45720" rtlCol="0" anchor="b"/>
+          <a:lstStyle>
+            <a:lvl1pPr algn="r">
+              <a:defRPr sz="1200"/>
+            </a:lvl1pPr>
+          </a:lstStyle>
+          <a:p>
+            <a:fld id="{8563CFAE-5225-A64E-B2ED-2D2EC6A614CC}" type="slidenum">
+              <a:rPr lang="en-VN" smtClean="0"/>
+              <a:t>‹#›</a:t>
+            </a:fld>
+            <a:endParaRPr lang="en-VN"/>
+          </a:p>
+        </p:txBody>
+      </p:sp>
+    </p:spTree>
+    <p:extLst>
+      <p:ext uri="{BB962C8B-B14F-4D97-AF65-F5344CB8AC3E}">
+        <p14:creationId xmlns:p14="http://schemas.microsoft.com/office/powerpoint/2010/main" val="3320555272"/>
+      </p:ext>
+    </p:extLst>
+  </p:cSld>
+  <p:clrMap bg1="lt1" tx1="dk1" bg2="lt2" tx2="dk2" accent1="accent1" accent2="accent2" accent3="accent3" accent4="accent4" accent5="accent5" accent6="accent6" hlink="hlink" folHlink="folHlink"/>
+  <p:notesStyle>
+    <a:lvl1pPr marL="0" algn="l" defTabSz="914400" rtl="0" eaLnBrk="1" latinLnBrk="0" hangingPunct="1">
+      <a:defRPr sz="1200" kern="1200">
+        <a:solidFill>
+          <a:schemeClr val="tx1"/>
+        </a:solidFill>
+        <a:latin typeface="+mn-lt"/>
+        <a:ea typeface="+mn-ea"/>
+        <a:cs typeface="+mn-cs"/>
+      </a:defRPr>
+    </a:lvl1pPr>
+    <a:lvl2pPr marL="457200" algn="l" defTabSz="914400" rtl="0" eaLnBrk="1" latinLnBrk="0" hangingPunct="1">
+      <a:defRPr sz="1200" kern="1200">
+        <a:solidFill>
+          <a:schemeClr val="tx1"/>
+        </a:solidFill>
+        <a:latin typeface="+mn-lt"/>
+        <a:ea typeface="+mn-ea"/>
+        <a:cs typeface="+mn-cs"/>
+      </a:defRPr>
+    </a:lvl2pPr>
+    <a:lvl3pPr marL="914400" algn="l" defTabSz="914400" rtl="0" eaLnBrk="1" latinLnBrk="0" hangingPunct="1">
+      <a:defRPr sz="1200" kern="1200">
+        <a:solidFill>
+          <a:schemeClr val="tx1"/>
+        </a:solidFill>
+        <a:latin typeface="+mn-lt"/>
+        <a:ea typeface="+mn-ea"/>
+        <a:cs typeface="+mn-cs"/>
+      </a:defRPr>
+    </a:lvl3pPr>
+    <a:lvl4pPr marL="1371600" algn="l" defTabSz="914400" rtl="0" eaLnBrk="1" latinLnBrk="0" hangingPunct="1">
+      <a:defRPr sz="1200" kern="1200">
+        <a:solidFill>
+          <a:schemeClr val="tx1"/>
+        </a:solidFill>
+        <a:latin typeface="+mn-lt"/>
+        <a:ea typeface="+mn-ea"/>
+        <a:cs typeface="+mn-cs"/>
+      </a:defRPr>
+    </a:lvl4pPr>
+    <a:lvl5pPr marL="1828800" algn="l" defTabSz="914400" rtl="0" eaLnBrk="1" latinLnBrk="0" hangingPunct="1">
+      <a:defRPr sz="1200" kern="1200">
+        <a:solidFill>
+          <a:schemeClr val="tx1"/>
+        </a:solidFill>
+        <a:latin typeface="+mn-lt"/>
+        <a:ea typeface="+mn-ea"/>
+        <a:cs typeface="+mn-cs"/>
+      </a:defRPr>
+    </a:lvl5pPr>
+    <a:lvl6pPr marL="2286000" algn="l" defTabSz="914400" rtl="0" eaLnBrk="1" latinLnBrk="0" hangingPunct="1">
+      <a:defRPr sz="1200" kern="1200">
+        <a:solidFill>
+          <a:schemeClr val="tx1"/>
+        </a:solidFill>
+        <a:latin typeface="+mn-lt"/>
+        <a:ea typeface="+mn-ea"/>
+        <a:cs typeface="+mn-cs"/>
+      </a:defRPr>
+    </a:lvl6pPr>
+    <a:lvl7pPr marL="2743200" algn="l" defTabSz="914400" rtl="0" eaLnBrk="1" latinLnBrk="0" hangingPunct="1">
+      <a:defRPr sz="1200" kern="1200">
+        <a:solidFill>
+          <a:schemeClr val="tx1"/>
+        </a:solidFill>
+        <a:latin typeface="+mn-lt"/>
+        <a:ea typeface="+mn-ea"/>
+        <a:cs typeface="+mn-cs"/>
+      </a:defRPr>
+    </a:lvl7pPr>
+    <a:lvl8pPr marL="3200400" algn="l" defTabSz="914400" rtl="0" eaLnBrk="1" latinLnBrk="0" hangingPunct="1">
+      <a:defRPr sz="1200" kern="1200">
+        <a:solidFill>
+          <a:schemeClr val="tx1"/>
+        </a:solidFill>
+        <a:latin typeface="+mn-lt"/>
+        <a:ea typeface="+mn-ea"/>
+        <a:cs typeface="+mn-cs"/>
+      </a:defRPr>
+    </a:lvl8pPr>
+    <a:lvl9pPr marL="3657600" algn="l" defTabSz="914400" rtl="0" eaLnBrk="1" latinLnBrk="0" hangingPunct="1">
+      <a:defRPr sz="1200" kern="1200">
+        <a:solidFill>
+          <a:schemeClr val="tx1"/>
+        </a:solidFill>
+        <a:latin typeface="+mn-lt"/>
+        <a:ea typeface="+mn-ea"/>
+        <a:cs typeface="+mn-cs"/>
+      </a:defRPr>
+    </a:lvl9pPr>
+  </p:notesStyle>
+</p:notesMaster>
+</file>
+
+<file path=ppt/notesSlides/notesSlide1.xml><?xml version="1.0" encoding="utf-8"?>
+<p:notes xmlns:a="http://schemas.openxmlformats.org/drawingml/2006/main" xmlns:r="http://schemas.openxmlformats.org/officeDocument/2006/relationships" xmlns:p="http://schemas.openxmlformats.org/presentationml/2006/main">
+  <p:cSld>
+    <p:spTree>
+      <p:nvGrpSpPr>
+        <p:cNvPr id="1" name=""/>
+        <p:cNvGrpSpPr/>
+        <p:nvPr/>
+      </p:nvGrpSpPr>
+      <p:grpSpPr>
+        <a:xfrm>
+          <a:off x="0" y="0"/>
+          <a:ext cx="0" cy="0"/>
+          <a:chOff x="0" y="0"/>
+          <a:chExt cx="0" cy="0"/>
+        </a:xfrm>
+      </p:grpSpPr>
+      <p:sp>
+        <p:nvSpPr>
+          <p:cNvPr id="2" name="Slide Image Placeholder 1"/>
+          <p:cNvSpPr>
+            <a:spLocks noGrp="1" noRot="1" noChangeAspect="1"/>
+          </p:cNvSpPr>
+          <p:nvPr>
+            <p:ph type="sldImg"/>
+          </p:nvPr>
+        </p:nvSpPr>
+        <p:spPr/>
+      </p:sp>
+      <p:sp>
+        <p:nvSpPr>
+          <p:cNvPr id="3" name="Notes Placeholder 2"/>
+          <p:cNvSpPr>
+            <a:spLocks noGrp="1"/>
+          </p:cNvSpPr>
+          <p:nvPr>
+            <p:ph type="body" idx="1"/>
+          </p:nvPr>
+        </p:nvSpPr>
+        <p:spPr/>
+        <p:txBody>
+          <a:bodyPr/>
+          <a:lstStyle/>
+          <a:p>
+            <a:endParaRPr lang="en-VN" dirty="0"/>
+          </a:p>
+        </p:txBody>
+      </p:sp>
+      <p:sp>
+        <p:nvSpPr>
+          <p:cNvPr id="4" name="Slide Number Placeholder 3"/>
+          <p:cNvSpPr>
+            <a:spLocks noGrp="1"/>
+          </p:cNvSpPr>
+          <p:nvPr>
+            <p:ph type="sldNum" sz="quarter" idx="5"/>
+          </p:nvPr>
+        </p:nvSpPr>
+        <p:spPr/>
+        <p:txBody>
+          <a:bodyPr/>
+          <a:lstStyle/>
+          <a:p>
+            <a:fld id="{8563CFAE-5225-A64E-B2ED-2D2EC6A614CC}" type="slidenum">
+              <a:rPr lang="en-VN" smtClean="0"/>
+              <a:t>8</a:t>
+            </a:fld>
+            <a:endParaRPr lang="en-VN"/>
+          </a:p>
+        </p:txBody>
+      </p:sp>
+    </p:spTree>
+    <p:extLst>
+      <p:ext uri="{BB962C8B-B14F-4D97-AF65-F5344CB8AC3E}">
+        <p14:creationId xmlns:p14="http://schemas.microsoft.com/office/powerpoint/2010/main" val="4042671461"/>
+      </p:ext>
+    </p:extLst>
+  </p:cSld>
+  <p:clrMapOvr>
+    <a:masterClrMapping/>
+  </p:clrMapOvr>
+</p:notes>
+</file>
+
 <file path=ppt/slideLayouts/slideLayout1.xml><?xml version="1.0" encoding="utf-8"?>
 <p:sldLayout xmlns:a="http://schemas.openxmlformats.org/drawingml/2006/main" xmlns:r="http://schemas.openxmlformats.org/officeDocument/2006/relationships" xmlns:p="http://schemas.openxmlformats.org/presentationml/2006/main" type="title" preserve="1">
   <p:cSld name="Title Slide">
@@ -270,7 +707,7 @@
           <a:p>
             <a:fld id="{825924F4-B343-0240-8396-7156ADA96000}" type="datetimeFigureOut">
               <a:rPr lang="en-VN" smtClean="0"/>
-              <a:t>06/06/2022</a:t>
+              <a:t>07/06/2022</a:t>
             </a:fld>
             <a:endParaRPr lang="en-VN"/>
           </a:p>
@@ -470,7 +907,7 @@
           <a:p>
             <a:fld id="{825924F4-B343-0240-8396-7156ADA96000}" type="datetimeFigureOut">
               <a:rPr lang="en-VN" smtClean="0"/>
-              <a:t>06/06/2022</a:t>
+              <a:t>07/06/2022</a:t>
             </a:fld>
             <a:endParaRPr lang="en-VN"/>
           </a:p>
@@ -680,7 +1117,7 @@
           <a:p>
             <a:fld id="{825924F4-B343-0240-8396-7156ADA96000}" type="datetimeFigureOut">
               <a:rPr lang="en-VN" smtClean="0"/>
-              <a:t>06/06/2022</a:t>
+              <a:t>07/06/2022</a:t>
             </a:fld>
             <a:endParaRPr lang="en-VN"/>
           </a:p>
@@ -880,7 +1317,7 @@
           <a:p>
             <a:fld id="{825924F4-B343-0240-8396-7156ADA96000}" type="datetimeFigureOut">
               <a:rPr lang="en-VN" smtClean="0"/>
-              <a:t>06/06/2022</a:t>
+              <a:t>07/06/2022</a:t>
             </a:fld>
             <a:endParaRPr lang="en-VN"/>
           </a:p>
@@ -1156,7 +1593,7 @@
           <a:p>
             <a:fld id="{825924F4-B343-0240-8396-7156ADA96000}" type="datetimeFigureOut">
               <a:rPr lang="en-VN" smtClean="0"/>
-              <a:t>06/06/2022</a:t>
+              <a:t>07/06/2022</a:t>
             </a:fld>
             <a:endParaRPr lang="en-VN"/>
           </a:p>
@@ -1424,7 +1861,7 @@
           <a:p>
             <a:fld id="{825924F4-B343-0240-8396-7156ADA96000}" type="datetimeFigureOut">
               <a:rPr lang="en-VN" smtClean="0"/>
-              <a:t>06/06/2022</a:t>
+              <a:t>07/06/2022</a:t>
             </a:fld>
             <a:endParaRPr lang="en-VN"/>
           </a:p>
@@ -1839,7 +2276,7 @@
           <a:p>
             <a:fld id="{825924F4-B343-0240-8396-7156ADA96000}" type="datetimeFigureOut">
               <a:rPr lang="en-VN" smtClean="0"/>
-              <a:t>06/06/2022</a:t>
+              <a:t>07/06/2022</a:t>
             </a:fld>
             <a:endParaRPr lang="en-VN"/>
           </a:p>
@@ -1981,7 +2418,7 @@
           <a:p>
             <a:fld id="{825924F4-B343-0240-8396-7156ADA96000}" type="datetimeFigureOut">
               <a:rPr lang="en-VN" smtClean="0"/>
-              <a:t>06/06/2022</a:t>
+              <a:t>07/06/2022</a:t>
             </a:fld>
             <a:endParaRPr lang="en-VN"/>
           </a:p>
@@ -2094,7 +2531,7 @@
           <a:p>
             <a:fld id="{825924F4-B343-0240-8396-7156ADA96000}" type="datetimeFigureOut">
               <a:rPr lang="en-VN" smtClean="0"/>
-              <a:t>06/06/2022</a:t>
+              <a:t>07/06/2022</a:t>
             </a:fld>
             <a:endParaRPr lang="en-VN"/>
           </a:p>
@@ -2407,7 +2844,7 @@
           <a:p>
             <a:fld id="{825924F4-B343-0240-8396-7156ADA96000}" type="datetimeFigureOut">
               <a:rPr lang="en-VN" smtClean="0"/>
-              <a:t>06/06/2022</a:t>
+              <a:t>07/06/2022</a:t>
             </a:fld>
             <a:endParaRPr lang="en-VN"/>
           </a:p>
@@ -2696,7 +3133,7 @@
           <a:p>
             <a:fld id="{825924F4-B343-0240-8396-7156ADA96000}" type="datetimeFigureOut">
               <a:rPr lang="en-VN" smtClean="0"/>
-              <a:t>06/06/2022</a:t>
+              <a:t>07/06/2022</a:t>
             </a:fld>
             <a:endParaRPr lang="en-VN"/>
           </a:p>
@@ -2939,7 +3376,7 @@
           <a:p>
             <a:fld id="{825924F4-B343-0240-8396-7156ADA96000}" type="datetimeFigureOut">
               <a:rPr lang="en-VN" smtClean="0"/>
-              <a:t>06/06/2022</a:t>
+              <a:t>07/06/2022</a:t>
             </a:fld>
             <a:endParaRPr lang="en-VN"/>
           </a:p>
@@ -4457,8 +4894,8 @@
         </p:nvSpPr>
         <p:spPr>
           <a:xfrm>
-            <a:off x="968188" y="1004047"/>
-            <a:ext cx="6881820" cy="1200329"/>
+            <a:off x="650632" y="898539"/>
+            <a:ext cx="11025553" cy="2251065"/>
           </a:xfrm>
           <a:prstGeom prst="rect">
             <a:avLst/>
@@ -4466,25 +4903,53 @@
           <a:noFill/>
         </p:spPr>
         <p:txBody>
-          <a:bodyPr wrap="none" rtlCol="0">
+          <a:bodyPr wrap="square" rtlCol="0">
             <a:spAutoFit/>
           </a:bodyPr>
           <a:lstStyle/>
           <a:p>
             <a:pPr marL="342900" indent="-342900">
+              <a:lnSpc>
+                <a:spcPct val="150000"/>
+              </a:lnSpc>
               <a:buAutoNum type="arabicPeriod"/>
             </a:pPr>
             <a:r>
+              <a:rPr lang="en-US" sz="2400" dirty="0"/>
+              <a:t>Widget Intro: </a:t>
+            </a:r>
+            <a:r>
+              <a:rPr lang="en-US" sz="2400" dirty="0">
+                <a:hlinkClick r:id="rId3"/>
+              </a:rPr>
+              <a:t>https://docs.flutter.dev/development/ui/widgets-intro</a:t>
+            </a:r>
+            <a:endParaRPr lang="en-US" sz="2400" dirty="0"/>
+          </a:p>
+          <a:p>
+            <a:pPr marL="342900" indent="-342900">
+              <a:lnSpc>
+                <a:spcPct val="150000"/>
+              </a:lnSpc>
+              <a:buAutoNum type="arabicPeriod"/>
+            </a:pPr>
+            <a:r>
+              <a:rPr lang="en-US" sz="2400" dirty="0"/>
+              <a:t>Layout in flutter: </a:t>
+            </a:r>
+            <a:r>
+              <a:rPr lang="en-US" sz="2400" dirty="0">
+                <a:hlinkClick r:id="rId4"/>
+              </a:rPr>
+              <a:t>https://docs.flutter.dev/development/ui/layout</a:t>
+            </a:r>
+            <a:r>
+              <a:rPr lang="en-US" sz="2400" dirty="0"/>
+              <a:t> (</a:t>
+            </a:r>
+            <a:r>
               <a:rPr lang="en-US" sz="2400" dirty="0" err="1"/>
-              <a:t>Các</a:t>
-            </a:r>
-            <a:r>
-              <a:rPr lang="en-US" sz="2400" dirty="0"/>
-              <a:t> Widget </a:t>
-            </a:r>
-            <a:r>
-              <a:rPr lang="en-US" sz="2400" dirty="0" err="1"/>
-              <a:t>cơ</a:t>
+              <a:t>Nên</a:t>
             </a:r>
             <a:r>
               <a:rPr lang="en-US" sz="2400" dirty="0"/>
@@ -4492,84 +4957,151 @@
             </a:r>
             <a:r>
               <a:rPr lang="en-US" sz="2400" dirty="0" err="1"/>
-              <a:t>bản</a:t>
-            </a:r>
-            <a:endParaRPr lang="en-US" sz="2400" dirty="0"/>
+              <a:t>đọc</a:t>
+            </a:r>
+            <a:r>
+              <a:rPr lang="en-US" sz="2400" dirty="0"/>
+              <a:t> </a:t>
+            </a:r>
+            <a:r>
+              <a:rPr lang="en-US" sz="2400" dirty="0" err="1"/>
+              <a:t>và</a:t>
+            </a:r>
+            <a:r>
+              <a:rPr lang="en-US" sz="2400" dirty="0"/>
+              <a:t> </a:t>
+            </a:r>
+            <a:r>
+              <a:rPr lang="en-US" sz="2400" dirty="0" err="1"/>
+              <a:t>làm</a:t>
+            </a:r>
+            <a:r>
+              <a:rPr lang="en-US" sz="2400" dirty="0"/>
+              <a:t> </a:t>
+            </a:r>
+            <a:r>
+              <a:rPr lang="en-US" sz="2400" dirty="0" err="1"/>
+              <a:t>hết</a:t>
+            </a:r>
+            <a:r>
+              <a:rPr lang="en-US" sz="2400" dirty="0"/>
+              <a:t> </a:t>
+            </a:r>
+            <a:r>
+              <a:rPr lang="en-US" sz="2400" dirty="0" err="1"/>
+              <a:t>các</a:t>
+            </a:r>
+            <a:r>
+              <a:rPr lang="en-US" sz="2400" dirty="0"/>
+              <a:t> example </a:t>
+            </a:r>
+            <a:r>
+              <a:rPr lang="en-US" sz="2400" dirty="0" err="1"/>
+              <a:t>trong</a:t>
+            </a:r>
+            <a:r>
+              <a:rPr lang="en-US" sz="2400" dirty="0"/>
+              <a:t> </a:t>
+            </a:r>
+            <a:r>
+              <a:rPr lang="en-US" sz="2400" dirty="0" err="1"/>
+              <a:t>này</a:t>
+            </a:r>
+            <a:r>
+              <a:rPr lang="en-US" sz="2400" dirty="0"/>
+              <a:t>. </a:t>
+            </a:r>
+            <a:r>
+              <a:rPr lang="en-US" sz="2400" dirty="0" err="1"/>
+              <a:t>Nhớ</a:t>
+            </a:r>
+            <a:r>
+              <a:rPr lang="en-US" sz="2400" dirty="0"/>
+              <a:t> </a:t>
+            </a:r>
+            <a:r>
+              <a:rPr lang="en-US" sz="2400" dirty="0" err="1"/>
+              <a:t>tìm</a:t>
+            </a:r>
+            <a:r>
+              <a:rPr lang="en-US" sz="2400" dirty="0"/>
+              <a:t> </a:t>
+            </a:r>
+            <a:r>
+              <a:rPr lang="en-US" sz="2400" dirty="0" err="1"/>
+              <a:t>hiểu</a:t>
+            </a:r>
+            <a:r>
+              <a:rPr lang="en-US" sz="2400" dirty="0"/>
+              <a:t> </a:t>
+            </a:r>
+            <a:r>
+              <a:rPr lang="en-US" sz="2400" dirty="0" err="1"/>
+              <a:t>các</a:t>
+            </a:r>
+            <a:r>
+              <a:rPr lang="en-US" sz="2400" dirty="0"/>
+              <a:t> widget </a:t>
+            </a:r>
+            <a:r>
+              <a:rPr lang="en-US" sz="2400" dirty="0" err="1"/>
+              <a:t>được</a:t>
+            </a:r>
+            <a:r>
+              <a:rPr lang="en-US" sz="2400" dirty="0"/>
+              <a:t> </a:t>
+            </a:r>
+            <a:r>
+              <a:rPr lang="en-US" sz="2400" dirty="0" err="1"/>
+              <a:t>nhắc</a:t>
+            </a:r>
+            <a:r>
+              <a:rPr lang="en-US" sz="2400" dirty="0"/>
+              <a:t> </a:t>
+            </a:r>
+            <a:r>
+              <a:rPr lang="en-US" sz="2400" dirty="0" err="1"/>
+              <a:t>đến</a:t>
+            </a:r>
+            <a:r>
+              <a:rPr lang="en-US" sz="2400" dirty="0"/>
+              <a:t> </a:t>
+            </a:r>
+            <a:r>
+              <a:rPr lang="en-US" sz="2400" dirty="0" err="1"/>
+              <a:t>trong</a:t>
+            </a:r>
+            <a:r>
+              <a:rPr lang="en-US" sz="2400" dirty="0"/>
+              <a:t> </a:t>
+            </a:r>
+            <a:r>
+              <a:rPr lang="en-US" sz="2400" dirty="0" err="1"/>
+              <a:t>bài</a:t>
+            </a:r>
+            <a:r>
+              <a:rPr lang="en-US" sz="2400" dirty="0"/>
+              <a:t>.)</a:t>
+            </a:r>
           </a:p>
           <a:p>
             <a:pPr marL="342900" indent="-342900">
+              <a:lnSpc>
+                <a:spcPct val="150000"/>
+              </a:lnSpc>
               <a:buAutoNum type="arabicPeriod"/>
             </a:pPr>
             <a:r>
-              <a:rPr lang="en-US" sz="2400" dirty="0" err="1"/>
-              <a:t>Đọc</a:t>
-            </a:r>
-            <a:r>
               <a:rPr lang="en-US" sz="2400" dirty="0"/>
-              <a:t> source code </a:t>
-            </a:r>
-            <a:r>
-              <a:rPr lang="en-US" sz="2400" dirty="0" err="1"/>
-              <a:t>và</a:t>
-            </a:r>
-            <a:r>
-              <a:rPr lang="en-US" sz="2400" dirty="0"/>
-              <a:t> docs </a:t>
-            </a:r>
-            <a:r>
-              <a:rPr lang="en-US" sz="2400" dirty="0" err="1"/>
-              <a:t>của</a:t>
-            </a:r>
-            <a:r>
-              <a:rPr lang="en-US" sz="2400" dirty="0"/>
-              <a:t> </a:t>
-            </a:r>
-            <a:r>
-              <a:rPr lang="en-US" sz="2400" dirty="0" err="1"/>
-              <a:t>Từng</a:t>
-            </a:r>
-            <a:r>
-              <a:rPr lang="en-US" sz="2400" dirty="0"/>
-              <a:t> class, </a:t>
-            </a:r>
-            <a:r>
-              <a:rPr lang="en-US" sz="2400" dirty="0" err="1"/>
-              <a:t>từng</a:t>
-            </a:r>
-            <a:r>
-              <a:rPr lang="en-US" sz="2400" dirty="0"/>
-              <a:t> </a:t>
-            </a:r>
-            <a:r>
-              <a:rPr lang="en-US" sz="2400" dirty="0" err="1"/>
-              <a:t>hàm</a:t>
-            </a:r>
-            <a:r>
-              <a:rPr lang="en-US" sz="2400" dirty="0"/>
-              <a:t>.</a:t>
-            </a:r>
-          </a:p>
-          <a:p>
-            <a:pPr marL="342900" indent="-342900">
-              <a:buAutoNum type="arabicPeriod"/>
-            </a:pPr>
-            <a:r>
-              <a:rPr lang="en-US" sz="2400" dirty="0"/>
-              <a:t>Build UI </a:t>
-            </a:r>
-            <a:r>
-              <a:rPr lang="en-US" sz="2400" dirty="0" err="1"/>
-              <a:t>cơ</a:t>
-            </a:r>
-            <a:r>
-              <a:rPr lang="en-US" sz="2400" dirty="0"/>
-              <a:t> </a:t>
-            </a:r>
-            <a:r>
-              <a:rPr lang="en-US" sz="2400" dirty="0" err="1"/>
-              <a:t>bản</a:t>
-            </a:r>
-            <a:endParaRPr lang="en-VN" sz="2400" dirty="0"/>
+              <a:t>Layout tutorial: </a:t>
+            </a:r>
+            <a:r>
+              <a:rPr lang="en-US" sz="2400" dirty="0">
+                <a:hlinkClick r:id="rId5"/>
+              </a:rPr>
+              <a:t>https://docs.flutter.dev/development/ui/layout/tutorial</a:t>
+            </a:r>
+            <a:endParaRPr lang="en-US" sz="2400" dirty="0"/>
           </a:p>
         </p:txBody>
       </p:sp>
@@ -4652,12 +5184,42 @@
           </a:p>
         </p:txBody>
       </p:sp>
-      <p:sp>
-        <p:nvSpPr>
-          <p:cNvPr id="4" name="TextBox 3">
-            <a:extLst>
-              <a:ext uri="{FF2B5EF4-FFF2-40B4-BE49-F238E27FC236}">
-                <a16:creationId xmlns:a16="http://schemas.microsoft.com/office/drawing/2014/main" id="{FF909BF2-0051-2B43-B5B3-FAE3EC6DDB09}"/>
+      <p:pic>
+        <p:nvPicPr>
+          <p:cNvPr id="5" name="Picture 4" descr="Graphical user interface, website&#10;&#10;Description automatically generated">
+            <a:extLst>
+              <a:ext uri="{FF2B5EF4-FFF2-40B4-BE49-F238E27FC236}">
+                <a16:creationId xmlns:a16="http://schemas.microsoft.com/office/drawing/2014/main" id="{48757CA2-0A84-0C49-9F7F-6E9C39248E28}"/>
+              </a:ext>
+            </a:extLst>
+          </p:cNvPr>
+          <p:cNvPicPr>
+            <a:picLocks noChangeAspect="1"/>
+          </p:cNvPicPr>
+          <p:nvPr/>
+        </p:nvPicPr>
+        <p:blipFill>
+          <a:blip r:embed="rId2"/>
+          <a:stretch>
+            <a:fillRect/>
+          </a:stretch>
+        </p:blipFill>
+        <p:spPr>
+          <a:xfrm>
+            <a:off x="6767147" y="850630"/>
+            <a:ext cx="4891454" cy="5303986"/>
+          </a:xfrm>
+          <a:prstGeom prst="rect">
+            <a:avLst/>
+          </a:prstGeom>
+        </p:spPr>
+      </p:pic>
+      <p:sp>
+        <p:nvSpPr>
+          <p:cNvPr id="6" name="TextBox 5">
+            <a:extLst>
+              <a:ext uri="{FF2B5EF4-FFF2-40B4-BE49-F238E27FC236}">
+                <a16:creationId xmlns:a16="http://schemas.microsoft.com/office/drawing/2014/main" id="{765488C3-4AF2-F744-A62E-7C53DF351B56}"/>
               </a:ext>
             </a:extLst>
           </p:cNvPr>
@@ -4666,8 +5228,8 @@
         </p:nvSpPr>
         <p:spPr>
           <a:xfrm>
-            <a:off x="968188" y="1004047"/>
-            <a:ext cx="2858090" cy="830997"/>
+            <a:off x="756138" y="1107831"/>
+            <a:ext cx="5345723" cy="1200329"/>
           </a:xfrm>
           <a:prstGeom prst="rect">
             <a:avLst/>
@@ -4675,57 +5237,25 @@
           <a:noFill/>
         </p:spPr>
         <p:txBody>
-          <a:bodyPr wrap="none" rtlCol="0">
+          <a:bodyPr wrap="square" rtlCol="0">
             <a:spAutoFit/>
           </a:bodyPr>
           <a:lstStyle/>
           <a:p>
-            <a:pPr marL="342900" indent="-342900">
-              <a:buAutoNum type="arabicPeriod"/>
-            </a:pPr>
-            <a:r>
-              <a:rPr lang="en-US" sz="2400" dirty="0" err="1"/>
-              <a:t>Các</a:t>
-            </a:r>
-            <a:r>
-              <a:rPr lang="en-US" sz="2400" dirty="0"/>
-              <a:t> Widget </a:t>
-            </a:r>
-            <a:r>
-              <a:rPr lang="en-US" sz="2400" dirty="0" err="1"/>
-              <a:t>cơ</a:t>
-            </a:r>
-            <a:r>
-              <a:rPr lang="en-US" sz="2400" dirty="0"/>
-              <a:t> </a:t>
-            </a:r>
-            <a:r>
-              <a:rPr lang="en-US" sz="2400" dirty="0" err="1"/>
-              <a:t>bản</a:t>
-            </a:r>
-            <a:endParaRPr lang="en-US" sz="2400" dirty="0"/>
-          </a:p>
-          <a:p>
-            <a:pPr marL="342900" indent="-342900">
-              <a:buAutoNum type="arabicPeriod"/>
-            </a:pPr>
-            <a:r>
-              <a:rPr lang="en-US" sz="2400" dirty="0"/>
-              <a:t>Build UI </a:t>
-            </a:r>
-            <a:r>
-              <a:rPr lang="en-US" sz="2400" dirty="0" err="1"/>
-              <a:t>cơ</a:t>
-            </a:r>
-            <a:r>
-              <a:rPr lang="en-US" sz="2400" dirty="0"/>
-              <a:t> </a:t>
-            </a:r>
-            <a:r>
-              <a:rPr lang="en-US" sz="2400" dirty="0" err="1"/>
-              <a:t>bản</a:t>
-            </a:r>
-            <a:endParaRPr lang="en-VN" sz="2400" dirty="0"/>
+            <a:r>
+              <a:rPr lang="en-VN" dirty="0"/>
+              <a:t>Figma Link: </a:t>
+            </a:r>
+            <a:r>
+              <a:rPr lang="en-US" dirty="0">
+                <a:hlinkClick r:id="rId3"/>
+              </a:rPr>
+              <a:t>https://www.figma.com/file/q9HDyGTi59GJChVSsWzuxB/Flutter-Course-Demo?node-id=0%3A1</a:t>
+            </a:r>
+            <a:endParaRPr lang="en-US" dirty="0"/>
+          </a:p>
+          <a:p>
+            <a:endParaRPr lang="en-VN" dirty="0"/>
           </a:p>
         </p:txBody>
       </p:sp>
@@ -5035,4 +5565,299 @@
     </a:ext>
   </a:extLst>
 </a:theme>
+</file>
+
+<file path=ppt/theme/theme2.xml><?xml version="1.0" encoding="utf-8"?>
+<a:theme xmlns:a="http://schemas.openxmlformats.org/drawingml/2006/main" name="Office Theme">
+  <a:themeElements>
+    <a:clrScheme name="Office">
+      <a:dk1>
+        <a:sysClr val="windowText" lastClr="000000"/>
+      </a:dk1>
+      <a:lt1>
+        <a:sysClr val="window" lastClr="FFFFFF"/>
+      </a:lt1>
+      <a:dk2>
+        <a:srgbClr val="44546A"/>
+      </a:dk2>
+      <a:lt2>
+        <a:srgbClr val="E7E6E6"/>
+      </a:lt2>
+      <a:accent1>
+        <a:srgbClr val="4472C4"/>
+      </a:accent1>
+      <a:accent2>
+        <a:srgbClr val="ED7D31"/>
+      </a:accent2>
+      <a:accent3>
+        <a:srgbClr val="A5A5A5"/>
+      </a:accent3>
+      <a:accent4>
+        <a:srgbClr val="FFC000"/>
+      </a:accent4>
+      <a:accent5>
+        <a:srgbClr val="5B9BD5"/>
+      </a:accent5>
+      <a:accent6>
+        <a:srgbClr val="70AD47"/>
+      </a:accent6>
+      <a:hlink>
+        <a:srgbClr val="0563C1"/>
+      </a:hlink>
+      <a:folHlink>
+        <a:srgbClr val="954F72"/>
+      </a:folHlink>
+    </a:clrScheme>
+    <a:fontScheme name="Office">
+      <a:majorFont>
+        <a:latin typeface="Calibri Light" panose="020F0302020204030204"/>
+        <a:ea typeface=""/>
+        <a:cs typeface=""/>
+        <a:font script="Jpan" typeface="游ゴシック Light"/>
+        <a:font script="Hang" typeface="맑은 고딕"/>
+        <a:font script="Hans" typeface="等线 Light"/>
+        <a:font script="Hant" typeface="新細明體"/>
+        <a:font script="Arab" typeface="Times New Roman"/>
+        <a:font script="Hebr" typeface="Times New Roman"/>
+        <a:font script="Thai" typeface="Angsana New"/>
+        <a:font script="Ethi" typeface="Nyala"/>
+        <a:font script="Beng" typeface="Vrinda"/>
+        <a:font script="Gujr" typeface="Shruti"/>
+        <a:font script="Khmr" typeface="MoolBoran"/>
+        <a:font script="Knda" typeface="Tunga"/>
+        <a:font script="Guru" typeface="Raavi"/>
+        <a:font script="Cans" typeface="Euphemia"/>
+        <a:font script="Cher" typeface="Plantagenet Cherokee"/>
+        <a:font script="Yiii" typeface="Microsoft Yi Baiti"/>
+        <a:font script="Tibt" typeface="Microsoft Himalaya"/>
+        <a:font script="Thaa" typeface="MV Boli"/>
+        <a:font script="Deva" typeface="Mangal"/>
+        <a:font script="Telu" typeface="Gautami"/>
+        <a:font script="Taml" typeface="Latha"/>
+        <a:font script="Syrc" typeface="Estrangelo Edessa"/>
+        <a:font script="Orya" typeface="Kalinga"/>
+        <a:font script="Mlym" typeface="Kartika"/>
+        <a:font script="Laoo" typeface="DokChampa"/>
+        <a:font script="Sinh" typeface="Iskoola Pota"/>
+        <a:font script="Mong" typeface="Mongolian Baiti"/>
+        <a:font script="Viet" typeface="Times New Roman"/>
+        <a:font script="Uigh" typeface="Microsoft Uighur"/>
+        <a:font script="Geor" typeface="Sylfaen"/>
+        <a:font script="Armn" typeface="Arial"/>
+        <a:font script="Bugi" typeface="Leelawadee UI"/>
+        <a:font script="Bopo" typeface="Microsoft JhengHei"/>
+        <a:font script="Java" typeface="Javanese Text"/>
+        <a:font script="Lisu" typeface="Segoe UI"/>
+        <a:font script="Mymr" typeface="Myanmar Text"/>
+        <a:font script="Nkoo" typeface="Ebrima"/>
+        <a:font script="Olck" typeface="Nirmala UI"/>
+        <a:font script="Osma" typeface="Ebrima"/>
+        <a:font script="Phag" typeface="Phagspa"/>
+        <a:font script="Syrn" typeface="Estrangelo Edessa"/>
+        <a:font script="Syrj" typeface="Estrangelo Edessa"/>
+        <a:font script="Syre" typeface="Estrangelo Edessa"/>
+        <a:font script="Sora" typeface="Nirmala UI"/>
+        <a:font script="Tale" typeface="Microsoft Tai Le"/>
+        <a:font script="Talu" typeface="Microsoft New Tai Lue"/>
+        <a:font script="Tfng" typeface="Ebrima"/>
+      </a:majorFont>
+      <a:minorFont>
+        <a:latin typeface="Calibri" panose="020F0502020204030204"/>
+        <a:ea typeface=""/>
+        <a:cs typeface=""/>
+        <a:font script="Jpan" typeface="游ゴシック"/>
+        <a:font script="Hang" typeface="맑은 고딕"/>
+        <a:font script="Hans" typeface="等线"/>
+        <a:font script="Hant" typeface="新細明體"/>
+        <a:font script="Arab" typeface="Arial"/>
+        <a:font script="Hebr" typeface="Arial"/>
+        <a:font script="Thai" typeface="Cordia New"/>
+        <a:font script="Ethi" typeface="Nyala"/>
+        <a:font script="Beng" typeface="Vrinda"/>
+        <a:font script="Gujr" typeface="Shruti"/>
+        <a:font script="Khmr" typeface="DaunPenh"/>
+        <a:font script="Knda" typeface="Tunga"/>
+        <a:font script="Guru" typeface="Raavi"/>
+        <a:font script="Cans" typeface="Euphemia"/>
+        <a:font script="Cher" typeface="Plantagenet Cherokee"/>
+        <a:font script="Yiii" typeface="Microsoft Yi Baiti"/>
+        <a:font script="Tibt" typeface="Microsoft Himalaya"/>
+        <a:font script="Thaa" typeface="MV Boli"/>
+        <a:font script="Deva" typeface="Mangal"/>
+        <a:font script="Telu" typeface="Gautami"/>
+        <a:font script="Taml" typeface="Latha"/>
+        <a:font script="Syrc" typeface="Estrangelo Edessa"/>
+        <a:font script="Orya" typeface="Kalinga"/>
+        <a:font script="Mlym" typeface="Kartika"/>
+        <a:font script="Laoo" typeface="DokChampa"/>
+        <a:font script="Sinh" typeface="Iskoola Pota"/>
+        <a:font script="Mong" typeface="Mongolian Baiti"/>
+        <a:font script="Viet" typeface="Arial"/>
+        <a:font script="Uigh" typeface="Microsoft Uighur"/>
+        <a:font script="Geor" typeface="Sylfaen"/>
+        <a:font script="Armn" typeface="Arial"/>
+        <a:font script="Bugi" typeface="Leelawadee UI"/>
+        <a:font script="Bopo" typeface="Microsoft JhengHei"/>
+        <a:font script="Java" typeface="Javanese Text"/>
+        <a:font script="Lisu" typeface="Segoe UI"/>
+        <a:font script="Mymr" typeface="Myanmar Text"/>
+        <a:font script="Nkoo" typeface="Ebrima"/>
+        <a:font script="Olck" typeface="Nirmala UI"/>
+        <a:font script="Osma" typeface="Ebrima"/>
+        <a:font script="Phag" typeface="Phagspa"/>
+        <a:font script="Syrn" typeface="Estrangelo Edessa"/>
+        <a:font script="Syrj" typeface="Estrangelo Edessa"/>
+        <a:font script="Syre" typeface="Estrangelo Edessa"/>
+        <a:font script="Sora" typeface="Nirmala UI"/>
+        <a:font script="Tale" typeface="Microsoft Tai Le"/>
+        <a:font script="Talu" typeface="Microsoft New Tai Lue"/>
+        <a:font script="Tfng" typeface="Ebrima"/>
+      </a:minorFont>
+    </a:fontScheme>
+    <a:fmtScheme name="Office">
+      <a:fillStyleLst>
+        <a:solidFill>
+          <a:schemeClr val="phClr"/>
+        </a:solidFill>
+        <a:gradFill rotWithShape="1">
+          <a:gsLst>
+            <a:gs pos="0">
+              <a:schemeClr val="phClr">
+                <a:lumMod val="110000"/>
+                <a:satMod val="105000"/>
+                <a:tint val="67000"/>
+              </a:schemeClr>
+            </a:gs>
+            <a:gs pos="50000">
+              <a:schemeClr val="phClr">
+                <a:lumMod val="105000"/>
+                <a:satMod val="103000"/>
+                <a:tint val="73000"/>
+              </a:schemeClr>
+            </a:gs>
+            <a:gs pos="100000">
+              <a:schemeClr val="phClr">
+                <a:lumMod val="105000"/>
+                <a:satMod val="109000"/>
+                <a:tint val="81000"/>
+              </a:schemeClr>
+            </a:gs>
+          </a:gsLst>
+          <a:lin ang="5400000" scaled="0"/>
+        </a:gradFill>
+        <a:gradFill rotWithShape="1">
+          <a:gsLst>
+            <a:gs pos="0">
+              <a:schemeClr val="phClr">
+                <a:satMod val="103000"/>
+                <a:lumMod val="102000"/>
+                <a:tint val="94000"/>
+              </a:schemeClr>
+            </a:gs>
+            <a:gs pos="50000">
+              <a:schemeClr val="phClr">
+                <a:satMod val="110000"/>
+                <a:lumMod val="100000"/>
+                <a:shade val="100000"/>
+              </a:schemeClr>
+            </a:gs>
+            <a:gs pos="100000">
+              <a:schemeClr val="phClr">
+                <a:lumMod val="99000"/>
+                <a:satMod val="120000"/>
+                <a:shade val="78000"/>
+              </a:schemeClr>
+            </a:gs>
+          </a:gsLst>
+          <a:lin ang="5400000" scaled="0"/>
+        </a:gradFill>
+      </a:fillStyleLst>
+      <a:lnStyleLst>
+        <a:ln w="6350" cap="flat" cmpd="sng" algn="ctr">
+          <a:solidFill>
+            <a:schemeClr val="phClr"/>
+          </a:solidFill>
+          <a:prstDash val="solid"/>
+          <a:miter lim="800000"/>
+        </a:ln>
+        <a:ln w="12700" cap="flat" cmpd="sng" algn="ctr">
+          <a:solidFill>
+            <a:schemeClr val="phClr"/>
+          </a:solidFill>
+          <a:prstDash val="solid"/>
+          <a:miter lim="800000"/>
+        </a:ln>
+        <a:ln w="19050" cap="flat" cmpd="sng" algn="ctr">
+          <a:solidFill>
+            <a:schemeClr val="phClr"/>
+          </a:solidFill>
+          <a:prstDash val="solid"/>
+          <a:miter lim="800000"/>
+        </a:ln>
+      </a:lnStyleLst>
+      <a:effectStyleLst>
+        <a:effectStyle>
+          <a:effectLst/>
+        </a:effectStyle>
+        <a:effectStyle>
+          <a:effectLst/>
+        </a:effectStyle>
+        <a:effectStyle>
+          <a:effectLst>
+            <a:outerShdw blurRad="57150" dist="19050" dir="5400000" algn="ctr" rotWithShape="0">
+              <a:srgbClr val="000000">
+                <a:alpha val="63000"/>
+              </a:srgbClr>
+            </a:outerShdw>
+          </a:effectLst>
+        </a:effectStyle>
+      </a:effectStyleLst>
+      <a:bgFillStyleLst>
+        <a:solidFill>
+          <a:schemeClr val="phClr"/>
+        </a:solidFill>
+        <a:solidFill>
+          <a:schemeClr val="phClr">
+            <a:tint val="95000"/>
+            <a:satMod val="170000"/>
+          </a:schemeClr>
+        </a:solidFill>
+        <a:gradFill rotWithShape="1">
+          <a:gsLst>
+            <a:gs pos="0">
+              <a:schemeClr val="phClr">
+                <a:tint val="93000"/>
+                <a:satMod val="150000"/>
+                <a:shade val="98000"/>
+                <a:lumMod val="102000"/>
+              </a:schemeClr>
+            </a:gs>
+            <a:gs pos="50000">
+              <a:schemeClr val="phClr">
+                <a:tint val="98000"/>
+                <a:satMod val="130000"/>
+                <a:shade val="90000"/>
+                <a:lumMod val="103000"/>
+              </a:schemeClr>
+            </a:gs>
+            <a:gs pos="100000">
+              <a:schemeClr val="phClr">
+                <a:shade val="63000"/>
+                <a:satMod val="120000"/>
+              </a:schemeClr>
+            </a:gs>
+          </a:gsLst>
+          <a:lin ang="5400000" scaled="0"/>
+        </a:gradFill>
+      </a:bgFillStyleLst>
+    </a:fmtScheme>
+  </a:themeElements>
+  <a:objectDefaults/>
+  <a:extraClrSchemeLst/>
+  <a:extLst>
+    <a:ext uri="{05A4C25C-085E-4340-85A3-A5531E510DB2}">
+      <thm15:themeFamily xmlns:thm15="http://schemas.microsoft.com/office/thememl/2012/main" name="Office Theme" id="{62F939B6-93AF-4DB8-9C6B-D6C7DFDC589F}" vid="{4A3C46E8-61CC-4603-A589-7422A47A8E4A}"/>
+    </a:ext>
+  </a:extLst>
+</a:theme>
 </file>